--- a/lecture-materials/Security/guard_duty/guard_duty.pptx
+++ b/lecture-materials/Security/guard_duty/guard_duty.pptx
@@ -5,15 +5,22 @@
     <p:sldMasterId id="2147483874" r:id="rId1"/>
   </p:sldMasterIdLst>
   <p:notesMasterIdLst>
-    <p:notesMasterId r:id="rId8"/>
+    <p:notesMasterId r:id="rId15"/>
   </p:notesMasterIdLst>
   <p:sldIdLst>
-    <p:sldId id="256" r:id="rId2"/>
-    <p:sldId id="258" r:id="rId3"/>
-    <p:sldId id="260" r:id="rId4"/>
-    <p:sldId id="257" r:id="rId5"/>
-    <p:sldId id="259" r:id="rId6"/>
-    <p:sldId id="261" r:id="rId7"/>
+    <p:sldId id="262" r:id="rId2"/>
+    <p:sldId id="256" r:id="rId3"/>
+    <p:sldId id="263" r:id="rId4"/>
+    <p:sldId id="264" r:id="rId5"/>
+    <p:sldId id="258" r:id="rId6"/>
+    <p:sldId id="260" r:id="rId7"/>
+    <p:sldId id="257" r:id="rId8"/>
+    <p:sldId id="259" r:id="rId9"/>
+    <p:sldId id="266" r:id="rId10"/>
+    <p:sldId id="267" r:id="rId11"/>
+    <p:sldId id="268" r:id="rId12"/>
+    <p:sldId id="265" r:id="rId13"/>
+    <p:sldId id="261" r:id="rId14"/>
   </p:sldIdLst>
   <p:sldSz cx="9144000" cy="5143500" type="screen16x9"/>
   <p:notesSz cx="6858000" cy="9144000"/>
@@ -9326,7 +9333,7 @@
           <a:p>
             <a:fld id="{9AB3A824-1A51-4B26-AD58-A6D8E14F6C04}" type="datetimeFigureOut">
               <a:rPr lang="en-US" smtClean="0"/>
-              <a:t>9/2/23</a:t>
+              <a:t>12/26/23</a:t>
             </a:fld>
             <a:endParaRPr lang="en-US" dirty="0"/>
           </a:p>
@@ -9541,7 +9548,7 @@
           <a:p>
             <a:fld id="{3CBC1C18-307B-4F68-A007-B5B542270E8D}" type="datetimeFigureOut">
               <a:rPr lang="en-US" smtClean="0"/>
-              <a:t>9/2/23</a:t>
+              <a:t>12/26/23</a:t>
             </a:fld>
             <a:endParaRPr lang="en-US" dirty="0"/>
           </a:p>
@@ -9766,7 +9773,7 @@
           <a:p>
             <a:fld id="{3CBC1C18-307B-4F68-A007-B5B542270E8D}" type="datetimeFigureOut">
               <a:rPr lang="en-US" smtClean="0"/>
-              <a:t>9/2/23</a:t>
+              <a:t>12/26/23</a:t>
             </a:fld>
             <a:endParaRPr lang="en-US" dirty="0"/>
           </a:p>
@@ -10871,7 +10878,7 @@
           <a:p>
             <a:fld id="{3CBC1C18-307B-4F68-A007-B5B542270E8D}" type="datetimeFigureOut">
               <a:rPr lang="en-US" smtClean="0"/>
-              <a:t>9/2/23</a:t>
+              <a:t>12/26/23</a:t>
             </a:fld>
             <a:endParaRPr lang="en-US" dirty="0"/>
           </a:p>
@@ -11162,7 +11169,7 @@
           <a:p>
             <a:fld id="{3E5059C3-6A89-4494-99FF-5A4D6FFD50EB}" type="datetimeFigureOut">
               <a:rPr lang="en-US" smtClean="0"/>
-              <a:t>9/2/23</a:t>
+              <a:t>12/26/23</a:t>
             </a:fld>
             <a:endParaRPr lang="en-US" dirty="0"/>
           </a:p>
@@ -11445,7 +11452,7 @@
           <a:p>
             <a:fld id="{3CBC1C18-307B-4F68-A007-B5B542270E8D}" type="datetimeFigureOut">
               <a:rPr lang="en-US" smtClean="0"/>
-              <a:t>9/2/23</a:t>
+              <a:t>12/26/23</a:t>
             </a:fld>
             <a:endParaRPr lang="en-US" dirty="0"/>
           </a:p>
@@ -11875,7 +11882,7 @@
           <a:p>
             <a:fld id="{3CBC1C18-307B-4F68-A007-B5B542270E8D}" type="datetimeFigureOut">
               <a:rPr lang="en-US" smtClean="0"/>
-              <a:t>9/2/23</a:t>
+              <a:t>12/26/23</a:t>
             </a:fld>
             <a:endParaRPr lang="en-US" dirty="0"/>
           </a:p>
@@ -12032,7 +12039,7 @@
           <a:p>
             <a:fld id="{1FAF3416-4057-4DAA-829D-4CA07428D088}" type="datetimeFigureOut">
               <a:rPr lang="en-US" smtClean="0"/>
-              <a:t>9/2/23</a:t>
+              <a:t>12/26/23</a:t>
             </a:fld>
             <a:endParaRPr lang="en-US" dirty="0"/>
           </a:p>
@@ -12160,7 +12167,7 @@
           <a:p>
             <a:fld id="{921D9284-D300-4297-87F7-E791DCC15DB1}" type="datetimeFigureOut">
               <a:rPr lang="en-US" smtClean="0"/>
-              <a:t>9/2/23</a:t>
+              <a:t>12/26/23</a:t>
             </a:fld>
             <a:endParaRPr lang="en-US" dirty="0"/>
           </a:p>
@@ -12487,7 +12494,7 @@
           <a:p>
             <a:fld id="{3CBC1C18-307B-4F68-A007-B5B542270E8D}" type="datetimeFigureOut">
               <a:rPr lang="en-US" smtClean="0"/>
-              <a:t>9/2/23</a:t>
+              <a:t>12/26/23</a:t>
             </a:fld>
             <a:endParaRPr lang="en-US" dirty="0"/>
           </a:p>
@@ -12791,7 +12798,7 @@
           <a:p>
             <a:fld id="{B16C4C9A-3960-41CF-A4E9-2A8FB932454B}" type="datetimeFigureOut">
               <a:rPr lang="en-US" smtClean="0"/>
-              <a:t>9/2/23</a:t>
+              <a:t>12/26/23</a:t>
             </a:fld>
             <a:endParaRPr lang="en-US" dirty="0"/>
           </a:p>
@@ -13044,7 +13051,7 @@
           <a:p>
             <a:fld id="{3CBC1C18-307B-4F68-A007-B5B542270E8D}" type="datetimeFigureOut">
               <a:rPr lang="en-US" smtClean="0"/>
-              <a:t>9/2/23</a:t>
+              <a:t>12/26/23</a:t>
             </a:fld>
             <a:endParaRPr lang="en-US" dirty="0"/>
           </a:p>
@@ -13464,6 +13471,3018 @@
 <file path=ppt/slides/slide1.xml><?xml version="1.0" encoding="utf-8"?>
 <p:sld xmlns:a="http://schemas.openxmlformats.org/drawingml/2006/main" xmlns:r="http://schemas.openxmlformats.org/officeDocument/2006/relationships" xmlns:p="http://schemas.openxmlformats.org/presentationml/2006/main">
   <p:cSld>
+    <p:bg>
+      <p:bgPr>
+        <a:solidFill>
+          <a:schemeClr val="bg1"/>
+        </a:solidFill>
+        <a:effectLst/>
+      </p:bgPr>
+    </p:bg>
+    <p:spTree>
+      <p:nvGrpSpPr>
+        <p:cNvPr id="1" name=""/>
+        <p:cNvGrpSpPr/>
+        <p:nvPr/>
+      </p:nvGrpSpPr>
+      <p:grpSpPr>
+        <a:xfrm>
+          <a:off x="0" y="0"/>
+          <a:ext cx="0" cy="0"/>
+          <a:chOff x="0" y="0"/>
+          <a:chExt cx="0" cy="0"/>
+        </a:xfrm>
+      </p:grpSpPr>
+      <p:sp useBgFill="1">
+        <p:nvSpPr>
+          <p:cNvPr id="19" name="Rectangle 18">
+            <a:extLst>
+              <a:ext uri="{FF2B5EF4-FFF2-40B4-BE49-F238E27FC236}">
+                <a16:creationId xmlns:a16="http://schemas.microsoft.com/office/drawing/2014/main" id="{289ED1AA-8684-4D37-B208-8777E1A7780D}"/>
+              </a:ext>
+              <a:ext uri="{C183D7F6-B498-43B3-948B-1728B52AA6E4}">
+                <adec:decorative xmlns:adec="http://schemas.microsoft.com/office/drawing/2017/decorative" val="1"/>
+              </a:ext>
+            </a:extLst>
+          </p:cNvPr>
+          <p:cNvSpPr>
+            <a:spLocks noGrp="1" noRot="1" noChangeAspect="1" noMove="1" noResize="1" noEditPoints="1" noAdjustHandles="1" noChangeArrowheads="1" noChangeShapeType="1" noTextEdit="1"/>
+          </p:cNvSpPr>
+          <p:nvPr>
+            <p:extLst>
+              <p:ext uri="{386F3935-93C4-4BCD-93E2-E3B085C9AB24}">
+                <p16:designElem xmlns:p16="http://schemas.microsoft.com/office/powerpoint/2015/main" val="1"/>
+              </p:ext>
+            </p:extLst>
+          </p:nvPr>
+        </p:nvSpPr>
+        <p:spPr>
+          <a:xfrm>
+            <a:off x="0" y="0"/>
+            <a:ext cx="9141714" cy="5143500"/>
+          </a:xfrm>
+          <a:prstGeom prst="rect">
+            <a:avLst/>
+          </a:prstGeom>
+          <a:ln>
+            <a:noFill/>
+          </a:ln>
+        </p:spPr>
+        <p:style>
+          <a:lnRef idx="2">
+            <a:schemeClr val="accent1">
+              <a:shade val="50000"/>
+            </a:schemeClr>
+          </a:lnRef>
+          <a:fillRef idx="1">
+            <a:schemeClr val="accent1"/>
+          </a:fillRef>
+          <a:effectRef idx="0">
+            <a:schemeClr val="accent1"/>
+          </a:effectRef>
+          <a:fontRef idx="minor">
+            <a:schemeClr val="lt1"/>
+          </a:fontRef>
+        </p:style>
+        <p:txBody>
+          <a:bodyPr rtlCol="0" anchor="ctr"/>
+          <a:lstStyle/>
+          <a:p>
+            <a:pPr algn="ctr"/>
+            <a:endParaRPr lang="en-US"/>
+          </a:p>
+        </p:txBody>
+      </p:sp>
+      <p:sp>
+        <p:nvSpPr>
+          <p:cNvPr id="20" name="Graphic 33">
+            <a:extLst>
+              <a:ext uri="{FF2B5EF4-FFF2-40B4-BE49-F238E27FC236}">
+                <a16:creationId xmlns:a16="http://schemas.microsoft.com/office/drawing/2014/main" id="{4180E01B-B1F4-437C-807D-1C930718EE64}"/>
+              </a:ext>
+              <a:ext uri="{C183D7F6-B498-43B3-948B-1728B52AA6E4}">
+                <adec:decorative xmlns:adec="http://schemas.microsoft.com/office/drawing/2017/decorative" val="1"/>
+              </a:ext>
+            </a:extLst>
+          </p:cNvPr>
+          <p:cNvSpPr>
+            <a:spLocks noGrp="1" noRot="1" noChangeAspect="1" noMove="1" noResize="1" noEditPoints="1" noAdjustHandles="1" noChangeArrowheads="1" noChangeShapeType="1" noTextEdit="1"/>
+          </p:cNvSpPr>
+          <p:nvPr>
+            <p:extLst>
+              <p:ext uri="{386F3935-93C4-4BCD-93E2-E3B085C9AB24}">
+                <p16:designElem xmlns:p16="http://schemas.microsoft.com/office/powerpoint/2015/main" val="1"/>
+              </p:ext>
+            </p:extLst>
+          </p:nvPr>
+        </p:nvSpPr>
+        <p:spPr>
+          <a:xfrm>
+            <a:off x="983088" y="0"/>
+            <a:ext cx="7177823" cy="5143500"/>
+          </a:xfrm>
+          <a:custGeom>
+            <a:avLst/>
+            <a:gdLst>
+              <a:gd name="connsiteX0" fmla="*/ 7178288 w 7187261"/>
+              <a:gd name="connsiteY0" fmla="*/ 2604802 h 5150263"/>
+              <a:gd name="connsiteX1" fmla="*/ 7169335 w 7187261"/>
+              <a:gd name="connsiteY1" fmla="*/ 2328577 h 5150263"/>
+              <a:gd name="connsiteX2" fmla="*/ 7060845 w 7187261"/>
+              <a:gd name="connsiteY2" fmla="*/ 1661160 h 5150263"/>
+              <a:gd name="connsiteX3" fmla="*/ 6212263 w 7187261"/>
+              <a:gd name="connsiteY3" fmla="*/ 243840 h 5150263"/>
+              <a:gd name="connsiteX4" fmla="*/ 5953564 w 7187261"/>
+              <a:gd name="connsiteY4" fmla="*/ 0 h 5150263"/>
+              <a:gd name="connsiteX5" fmla="*/ 1408615 w 7187261"/>
+              <a:gd name="connsiteY5" fmla="*/ 0 h 5150263"/>
+              <a:gd name="connsiteX6" fmla="*/ 805111 w 7187261"/>
+              <a:gd name="connsiteY6" fmla="*/ 676275 h 5150263"/>
+              <a:gd name="connsiteX7" fmla="*/ 104928 w 7187261"/>
+              <a:gd name="connsiteY7" fmla="*/ 2183035 h 5150263"/>
+              <a:gd name="connsiteX8" fmla="*/ 51588 w 7187261"/>
+              <a:gd name="connsiteY8" fmla="*/ 2400014 h 5150263"/>
+              <a:gd name="connsiteX9" fmla="*/ 41301 w 7187261"/>
+              <a:gd name="connsiteY9" fmla="*/ 2424208 h 5150263"/>
+              <a:gd name="connsiteX10" fmla="*/ 119692 w 7187261"/>
+              <a:gd name="connsiteY10" fmla="*/ 1834801 h 5150263"/>
+              <a:gd name="connsiteX11" fmla="*/ 870071 w 7187261"/>
+              <a:gd name="connsiteY11" fmla="*/ 462248 h 5150263"/>
+              <a:gd name="connsiteX12" fmla="*/ 1389279 w 7187261"/>
+              <a:gd name="connsiteY12" fmla="*/ 476 h 5150263"/>
+              <a:gd name="connsiteX13" fmla="*/ 1320223 w 7187261"/>
+              <a:gd name="connsiteY13" fmla="*/ 476 h 5150263"/>
+              <a:gd name="connsiteX14" fmla="*/ 423158 w 7187261"/>
+              <a:gd name="connsiteY14" fmla="*/ 989743 h 5150263"/>
+              <a:gd name="connsiteX15" fmla="*/ 25585 w 7187261"/>
+              <a:gd name="connsiteY15" fmla="*/ 2113693 h 5150263"/>
+              <a:gd name="connsiteX16" fmla="*/ 2344 w 7187261"/>
+              <a:gd name="connsiteY16" fmla="*/ 2725865 h 5150263"/>
+              <a:gd name="connsiteX17" fmla="*/ 447256 w 7187261"/>
+              <a:gd name="connsiteY17" fmla="*/ 4210717 h 5150263"/>
+              <a:gd name="connsiteX18" fmla="*/ 1138962 w 7187261"/>
+              <a:gd name="connsiteY18" fmla="*/ 4988910 h 5150263"/>
+              <a:gd name="connsiteX19" fmla="*/ 1348512 w 7187261"/>
+              <a:gd name="connsiteY19" fmla="*/ 5146834 h 5150263"/>
+              <a:gd name="connsiteX20" fmla="*/ 1422712 w 7187261"/>
+              <a:gd name="connsiteY20" fmla="*/ 5146834 h 5150263"/>
+              <a:gd name="connsiteX21" fmla="*/ 480594 w 7187261"/>
+              <a:gd name="connsiteY21" fmla="*/ 4187952 h 5150263"/>
+              <a:gd name="connsiteX22" fmla="*/ 398679 w 7187261"/>
+              <a:gd name="connsiteY22" fmla="*/ 4046125 h 5150263"/>
+              <a:gd name="connsiteX23" fmla="*/ 411823 w 7187261"/>
+              <a:gd name="connsiteY23" fmla="*/ 4053078 h 5150263"/>
+              <a:gd name="connsiteX24" fmla="*/ 1439380 w 7187261"/>
+              <a:gd name="connsiteY24" fmla="*/ 5147405 h 5150263"/>
+              <a:gd name="connsiteX25" fmla="*/ 5710010 w 7187261"/>
+              <a:gd name="connsiteY25" fmla="*/ 5150263 h 5150263"/>
+              <a:gd name="connsiteX26" fmla="*/ 5999665 w 7187261"/>
+              <a:gd name="connsiteY26" fmla="*/ 4910900 h 5150263"/>
+              <a:gd name="connsiteX27" fmla="*/ 6954165 w 7187261"/>
+              <a:gd name="connsiteY27" fmla="*/ 3545777 h 5150263"/>
+              <a:gd name="connsiteX28" fmla="*/ 7137712 w 7187261"/>
+              <a:gd name="connsiteY28" fmla="*/ 2799207 h 5150263"/>
+              <a:gd name="connsiteX29" fmla="*/ 7142951 w 7187261"/>
+              <a:gd name="connsiteY29" fmla="*/ 2754535 h 5150263"/>
+              <a:gd name="connsiteX30" fmla="*/ 7149428 w 7187261"/>
+              <a:gd name="connsiteY30" fmla="*/ 2774823 h 5150263"/>
+              <a:gd name="connsiteX31" fmla="*/ 7066465 w 7187261"/>
+              <a:gd name="connsiteY31" fmla="*/ 3465672 h 5150263"/>
+              <a:gd name="connsiteX32" fmla="*/ 6452578 w 7187261"/>
+              <a:gd name="connsiteY32" fmla="*/ 4552760 h 5150263"/>
+              <a:gd name="connsiteX33" fmla="*/ 5752110 w 7187261"/>
+              <a:gd name="connsiteY33" fmla="*/ 5150263 h 5150263"/>
+              <a:gd name="connsiteX34" fmla="*/ 5827643 w 7187261"/>
+              <a:gd name="connsiteY34" fmla="*/ 5150263 h 5150263"/>
+              <a:gd name="connsiteX35" fmla="*/ 6642793 w 7187261"/>
+              <a:gd name="connsiteY35" fmla="*/ 4389406 h 5150263"/>
+              <a:gd name="connsiteX36" fmla="*/ 7102469 w 7187261"/>
+              <a:gd name="connsiteY36" fmla="*/ 3490817 h 5150263"/>
+              <a:gd name="connsiteX37" fmla="*/ 7187242 w 7187261"/>
+              <a:gd name="connsiteY37" fmla="*/ 2990183 h 5150263"/>
+              <a:gd name="connsiteX38" fmla="*/ 7178288 w 7187261"/>
+              <a:gd name="connsiteY38" fmla="*/ 2604802 h 5150263"/>
+              <a:gd name="connsiteX39" fmla="*/ 6342565 w 7187261"/>
+              <a:gd name="connsiteY39" fmla="*/ 441389 h 5150263"/>
+              <a:gd name="connsiteX40" fmla="*/ 7126567 w 7187261"/>
+              <a:gd name="connsiteY40" fmla="*/ 2355056 h 5150263"/>
+              <a:gd name="connsiteX41" fmla="*/ 6342565 w 7187261"/>
+              <a:gd name="connsiteY41" fmla="*/ 441389 h 5150263"/>
+            </a:gdLst>
+            <a:ahLst/>
+            <a:cxnLst>
+              <a:cxn ang="0">
+                <a:pos x="connsiteX0" y="connsiteY0"/>
+              </a:cxn>
+              <a:cxn ang="0">
+                <a:pos x="connsiteX1" y="connsiteY1"/>
+              </a:cxn>
+              <a:cxn ang="0">
+                <a:pos x="connsiteX2" y="connsiteY2"/>
+              </a:cxn>
+              <a:cxn ang="0">
+                <a:pos x="connsiteX3" y="connsiteY3"/>
+              </a:cxn>
+              <a:cxn ang="0">
+                <a:pos x="connsiteX4" y="connsiteY4"/>
+              </a:cxn>
+              <a:cxn ang="0">
+                <a:pos x="connsiteX5" y="connsiteY5"/>
+              </a:cxn>
+              <a:cxn ang="0">
+                <a:pos x="connsiteX6" y="connsiteY6"/>
+              </a:cxn>
+              <a:cxn ang="0">
+                <a:pos x="connsiteX7" y="connsiteY7"/>
+              </a:cxn>
+              <a:cxn ang="0">
+                <a:pos x="connsiteX8" y="connsiteY8"/>
+              </a:cxn>
+              <a:cxn ang="0">
+                <a:pos x="connsiteX9" y="connsiteY9"/>
+              </a:cxn>
+              <a:cxn ang="0">
+                <a:pos x="connsiteX10" y="connsiteY10"/>
+              </a:cxn>
+              <a:cxn ang="0">
+                <a:pos x="connsiteX11" y="connsiteY11"/>
+              </a:cxn>
+              <a:cxn ang="0">
+                <a:pos x="connsiteX12" y="connsiteY12"/>
+              </a:cxn>
+              <a:cxn ang="0">
+                <a:pos x="connsiteX13" y="connsiteY13"/>
+              </a:cxn>
+              <a:cxn ang="0">
+                <a:pos x="connsiteX14" y="connsiteY14"/>
+              </a:cxn>
+              <a:cxn ang="0">
+                <a:pos x="connsiteX15" y="connsiteY15"/>
+              </a:cxn>
+              <a:cxn ang="0">
+                <a:pos x="connsiteX16" y="connsiteY16"/>
+              </a:cxn>
+              <a:cxn ang="0">
+                <a:pos x="connsiteX17" y="connsiteY17"/>
+              </a:cxn>
+              <a:cxn ang="0">
+                <a:pos x="connsiteX18" y="connsiteY18"/>
+              </a:cxn>
+              <a:cxn ang="0">
+                <a:pos x="connsiteX19" y="connsiteY19"/>
+              </a:cxn>
+              <a:cxn ang="0">
+                <a:pos x="connsiteX20" y="connsiteY20"/>
+              </a:cxn>
+              <a:cxn ang="0">
+                <a:pos x="connsiteX21" y="connsiteY21"/>
+              </a:cxn>
+              <a:cxn ang="0">
+                <a:pos x="connsiteX22" y="connsiteY22"/>
+              </a:cxn>
+              <a:cxn ang="0">
+                <a:pos x="connsiteX23" y="connsiteY23"/>
+              </a:cxn>
+              <a:cxn ang="0">
+                <a:pos x="connsiteX24" y="connsiteY24"/>
+              </a:cxn>
+              <a:cxn ang="0">
+                <a:pos x="connsiteX25" y="connsiteY25"/>
+              </a:cxn>
+              <a:cxn ang="0">
+                <a:pos x="connsiteX26" y="connsiteY26"/>
+              </a:cxn>
+              <a:cxn ang="0">
+                <a:pos x="connsiteX27" y="connsiteY27"/>
+              </a:cxn>
+              <a:cxn ang="0">
+                <a:pos x="connsiteX28" y="connsiteY28"/>
+              </a:cxn>
+              <a:cxn ang="0">
+                <a:pos x="connsiteX29" y="connsiteY29"/>
+              </a:cxn>
+              <a:cxn ang="0">
+                <a:pos x="connsiteX30" y="connsiteY30"/>
+              </a:cxn>
+              <a:cxn ang="0">
+                <a:pos x="connsiteX31" y="connsiteY31"/>
+              </a:cxn>
+              <a:cxn ang="0">
+                <a:pos x="connsiteX32" y="connsiteY32"/>
+              </a:cxn>
+              <a:cxn ang="0">
+                <a:pos x="connsiteX33" y="connsiteY33"/>
+              </a:cxn>
+              <a:cxn ang="0">
+                <a:pos x="connsiteX34" y="connsiteY34"/>
+              </a:cxn>
+              <a:cxn ang="0">
+                <a:pos x="connsiteX35" y="connsiteY35"/>
+              </a:cxn>
+              <a:cxn ang="0">
+                <a:pos x="connsiteX36" y="connsiteY36"/>
+              </a:cxn>
+              <a:cxn ang="0">
+                <a:pos x="connsiteX37" y="connsiteY37"/>
+              </a:cxn>
+              <a:cxn ang="0">
+                <a:pos x="connsiteX38" y="connsiteY38"/>
+              </a:cxn>
+              <a:cxn ang="0">
+                <a:pos x="connsiteX39" y="connsiteY39"/>
+              </a:cxn>
+              <a:cxn ang="0">
+                <a:pos x="connsiteX40" y="connsiteY40"/>
+              </a:cxn>
+              <a:cxn ang="0">
+                <a:pos x="connsiteX41" y="connsiteY41"/>
+              </a:cxn>
+            </a:cxnLst>
+            <a:rect l="l" t="t" r="r" b="b"/>
+            <a:pathLst>
+              <a:path w="7187261" h="5150263">
+                <a:moveTo>
+                  <a:pt x="7178288" y="2604802"/>
+                </a:moveTo>
+                <a:cubicBezTo>
+                  <a:pt x="7168763" y="2513076"/>
+                  <a:pt x="7174478" y="2420684"/>
+                  <a:pt x="7169335" y="2328577"/>
+                </a:cubicBezTo>
+                <a:cubicBezTo>
+                  <a:pt x="7156952" y="2102882"/>
+                  <a:pt x="7120586" y="1879149"/>
+                  <a:pt x="7060845" y="1661160"/>
+                </a:cubicBezTo>
+                <a:cubicBezTo>
+                  <a:pt x="6910588" y="1121007"/>
+                  <a:pt x="6617428" y="631374"/>
+                  <a:pt x="6212263" y="243840"/>
+                </a:cubicBezTo>
+                <a:cubicBezTo>
+                  <a:pt x="6126538" y="162496"/>
+                  <a:pt x="6040813" y="80201"/>
+                  <a:pt x="5953564" y="0"/>
+                </a:cubicBezTo>
+                <a:lnTo>
+                  <a:pt x="1408615" y="0"/>
+                </a:lnTo>
+                <a:cubicBezTo>
+                  <a:pt x="1180967" y="200316"/>
+                  <a:pt x="978332" y="427387"/>
+                  <a:pt x="805111" y="676275"/>
+                </a:cubicBezTo>
+                <a:cubicBezTo>
+                  <a:pt x="481261" y="1136523"/>
+                  <a:pt x="252089" y="1640872"/>
+                  <a:pt x="104928" y="2183035"/>
+                </a:cubicBezTo>
+                <a:cubicBezTo>
+                  <a:pt x="85878" y="2254853"/>
+                  <a:pt x="69495" y="2327720"/>
+                  <a:pt x="51588" y="2400014"/>
+                </a:cubicBezTo>
+                <a:cubicBezTo>
+                  <a:pt x="49683" y="2407634"/>
+                  <a:pt x="51588" y="2416969"/>
+                  <a:pt x="41301" y="2424208"/>
+                </a:cubicBezTo>
+                <a:cubicBezTo>
+                  <a:pt x="45900" y="2225469"/>
+                  <a:pt x="72186" y="2027834"/>
+                  <a:pt x="119692" y="1834801"/>
+                </a:cubicBezTo>
+                <a:cubicBezTo>
+                  <a:pt x="247993" y="1310926"/>
+                  <a:pt x="506121" y="857726"/>
+                  <a:pt x="870071" y="462248"/>
+                </a:cubicBezTo>
+                <a:cubicBezTo>
+                  <a:pt x="1027729" y="291823"/>
+                  <a:pt x="1201617" y="137169"/>
+                  <a:pt x="1389279" y="476"/>
+                </a:cubicBezTo>
+                <a:lnTo>
+                  <a:pt x="1320223" y="476"/>
+                </a:lnTo>
+                <a:cubicBezTo>
+                  <a:pt x="960844" y="274320"/>
+                  <a:pt x="656330" y="599123"/>
+                  <a:pt x="423158" y="989743"/>
+                </a:cubicBezTo>
+                <a:cubicBezTo>
+                  <a:pt x="215608" y="1337596"/>
+                  <a:pt x="80258" y="1711357"/>
+                  <a:pt x="25585" y="2113693"/>
+                </a:cubicBezTo>
+                <a:cubicBezTo>
+                  <a:pt x="-2705" y="2316480"/>
+                  <a:pt x="-2228" y="2521077"/>
+                  <a:pt x="2344" y="2725865"/>
+                </a:cubicBezTo>
+                <a:cubicBezTo>
+                  <a:pt x="14155" y="3261932"/>
+                  <a:pt x="170650" y="3754565"/>
+                  <a:pt x="447256" y="4210717"/>
+                </a:cubicBezTo>
+                <a:cubicBezTo>
+                  <a:pt x="629851" y="4511612"/>
+                  <a:pt x="866356" y="4767167"/>
+                  <a:pt x="1138962" y="4988910"/>
+                </a:cubicBezTo>
+                <a:cubicBezTo>
+                  <a:pt x="1207161" y="5044345"/>
+                  <a:pt x="1277008" y="5096990"/>
+                  <a:pt x="1348512" y="5146834"/>
+                </a:cubicBezTo>
+                <a:lnTo>
+                  <a:pt x="1422712" y="5146834"/>
+                </a:lnTo>
+                <a:cubicBezTo>
+                  <a:pt x="1043426" y="4892802"/>
+                  <a:pt x="724720" y="4577334"/>
+                  <a:pt x="480594" y="4187952"/>
+                </a:cubicBezTo>
+                <a:cubicBezTo>
+                  <a:pt x="452019" y="4141851"/>
+                  <a:pt x="423444" y="4095179"/>
+                  <a:pt x="398679" y="4046125"/>
+                </a:cubicBezTo>
+                <a:cubicBezTo>
+                  <a:pt x="407442" y="4043267"/>
+                  <a:pt x="409156" y="4048982"/>
+                  <a:pt x="411823" y="4053078"/>
+                </a:cubicBezTo>
+                <a:cubicBezTo>
+                  <a:pt x="683572" y="4484656"/>
+                  <a:pt x="1033139" y="4842701"/>
+                  <a:pt x="1439380" y="5147405"/>
+                </a:cubicBezTo>
+                <a:lnTo>
+                  <a:pt x="5710010" y="5150263"/>
+                </a:lnTo>
+                <a:cubicBezTo>
+                  <a:pt x="5810594" y="5075482"/>
+                  <a:pt x="5907272" y="4995587"/>
+                  <a:pt x="5999665" y="4910900"/>
+                </a:cubicBezTo>
+                <a:cubicBezTo>
+                  <a:pt x="6418765" y="4526661"/>
+                  <a:pt x="6746901" y="4078129"/>
+                  <a:pt x="6954165" y="3545777"/>
+                </a:cubicBezTo>
+                <a:cubicBezTo>
+                  <a:pt x="7048234" y="3306175"/>
+                  <a:pt x="7109956" y="3055115"/>
+                  <a:pt x="7137712" y="2799207"/>
+                </a:cubicBezTo>
+                <a:cubicBezTo>
+                  <a:pt x="7139236" y="2784920"/>
+                  <a:pt x="7141046" y="2770632"/>
+                  <a:pt x="7142951" y="2754535"/>
+                </a:cubicBezTo>
+                <a:cubicBezTo>
+                  <a:pt x="7151714" y="2760440"/>
+                  <a:pt x="7149237" y="2768441"/>
+                  <a:pt x="7149428" y="2774823"/>
+                </a:cubicBezTo>
+                <a:cubicBezTo>
+                  <a:pt x="7156743" y="3007967"/>
+                  <a:pt x="7128777" y="3240881"/>
+                  <a:pt x="7066465" y="3465672"/>
+                </a:cubicBezTo>
+                <a:cubicBezTo>
+                  <a:pt x="6952165" y="3878580"/>
+                  <a:pt x="6737948" y="4235863"/>
+                  <a:pt x="6452578" y="4552760"/>
+                </a:cubicBezTo>
+                <a:cubicBezTo>
+                  <a:pt x="6244553" y="4783836"/>
+                  <a:pt x="6008809" y="4980242"/>
+                  <a:pt x="5752110" y="5150263"/>
+                </a:cubicBezTo>
+                <a:lnTo>
+                  <a:pt x="5827643" y="5150263"/>
+                </a:lnTo>
+                <a:cubicBezTo>
+                  <a:pt x="6136539" y="4938904"/>
+                  <a:pt x="6412192" y="4689348"/>
+                  <a:pt x="6642793" y="4389406"/>
+                </a:cubicBezTo>
+                <a:cubicBezTo>
+                  <a:pt x="6851295" y="4118324"/>
+                  <a:pt x="7009125" y="3820859"/>
+                  <a:pt x="7102469" y="3490817"/>
+                </a:cubicBezTo>
+                <a:cubicBezTo>
+                  <a:pt x="7148646" y="3327473"/>
+                  <a:pt x="7177069" y="3159624"/>
+                  <a:pt x="7187242" y="2990183"/>
+                </a:cubicBezTo>
+                <a:cubicBezTo>
+                  <a:pt x="7187623" y="2984087"/>
+                  <a:pt x="7182384" y="2642330"/>
+                  <a:pt x="7178288" y="2604802"/>
+                </a:cubicBezTo>
+                <a:close/>
+                <a:moveTo>
+                  <a:pt x="6342565" y="441389"/>
+                </a:moveTo>
+                <a:cubicBezTo>
+                  <a:pt x="6829797" y="986533"/>
+                  <a:pt x="7091135" y="1624422"/>
+                  <a:pt x="7126567" y="2355056"/>
+                </a:cubicBezTo>
+                <a:cubicBezTo>
+                  <a:pt x="7001123" y="1661827"/>
+                  <a:pt x="6756426" y="1017365"/>
+                  <a:pt x="6342565" y="441389"/>
+                </a:cubicBezTo>
+                <a:close/>
+              </a:path>
+            </a:pathLst>
+          </a:custGeom>
+          <a:solidFill>
+            <a:schemeClr val="accent2"/>
+          </a:solidFill>
+          <a:ln w="9525" cap="flat">
+            <a:noFill/>
+            <a:prstDash val="solid"/>
+            <a:miter/>
+          </a:ln>
+        </p:spPr>
+        <p:txBody>
+          <a:bodyPr rtlCol="0" anchor="ctr"/>
+          <a:lstStyle/>
+          <a:p>
+            <a:endParaRPr lang="en-US"/>
+          </a:p>
+        </p:txBody>
+      </p:sp>
+      <p:sp>
+        <p:nvSpPr>
+          <p:cNvPr id="2" name="Title 1">
+            <a:extLst>
+              <a:ext uri="{FF2B5EF4-FFF2-40B4-BE49-F238E27FC236}">
+                <a16:creationId xmlns:a16="http://schemas.microsoft.com/office/drawing/2014/main" id="{6579B88C-11A2-A230-538B-2E98BFFB4267}"/>
+              </a:ext>
+            </a:extLst>
+          </p:cNvPr>
+          <p:cNvSpPr>
+            <a:spLocks noGrp="1"/>
+          </p:cNvSpPr>
+          <p:nvPr>
+            <p:ph type="ctrTitle"/>
+          </p:nvPr>
+        </p:nvSpPr>
+        <p:spPr>
+          <a:xfrm>
+            <a:off x="1919037" y="716481"/>
+            <a:ext cx="5305926" cy="2174232"/>
+          </a:xfrm>
+        </p:spPr>
+        <p:txBody>
+          <a:bodyPr>
+            <a:normAutofit/>
+          </a:bodyPr>
+          <a:lstStyle/>
+          <a:p>
+            <a:r>
+              <a:rPr lang="en-CH" sz="5000">
+                <a:solidFill>
+                  <a:srgbClr val="FFFFFF"/>
+                </a:solidFill>
+              </a:rPr>
+              <a:t>Amazon GuardDuty</a:t>
+            </a:r>
+          </a:p>
+        </p:txBody>
+      </p:sp>
+      <p:sp>
+        <p:nvSpPr>
+          <p:cNvPr id="21" name="sketch line">
+            <a:extLst>
+              <a:ext uri="{FF2B5EF4-FFF2-40B4-BE49-F238E27FC236}">
+                <a16:creationId xmlns:a16="http://schemas.microsoft.com/office/drawing/2014/main" id="{41F77738-2AF0-4750-A0C7-F97C2C17590E}"/>
+              </a:ext>
+              <a:ext uri="{C183D7F6-B498-43B3-948B-1728B52AA6E4}">
+                <adec:decorative xmlns:adec="http://schemas.microsoft.com/office/drawing/2017/decorative" val="1"/>
+              </a:ext>
+            </a:extLst>
+          </p:cNvPr>
+          <p:cNvSpPr>
+            <a:spLocks noGrp="1" noRot="1" noChangeAspect="1" noMove="1" noResize="1" noEditPoints="1" noAdjustHandles="1" noChangeArrowheads="1" noChangeShapeType="1" noTextEdit="1"/>
+          </p:cNvSpPr>
+          <p:nvPr>
+            <p:extLst>
+              <p:ext uri="{386F3935-93C4-4BCD-93E2-E3B085C9AB24}">
+                <p16:designElem xmlns:p16="http://schemas.microsoft.com/office/powerpoint/2015/main" val="1"/>
+              </p:ext>
+            </p:extLst>
+          </p:nvPr>
+        </p:nvSpPr>
+        <p:spPr>
+          <a:xfrm>
+            <a:off x="2980654" y="3130123"/>
+            <a:ext cx="3182692" cy="13716"/>
+          </a:xfrm>
+          <a:custGeom>
+            <a:avLst/>
+            <a:gdLst>
+              <a:gd name="connsiteX0" fmla="*/ 0 w 3182692"/>
+              <a:gd name="connsiteY0" fmla="*/ 0 h 13716"/>
+              <a:gd name="connsiteX1" fmla="*/ 604711 w 3182692"/>
+              <a:gd name="connsiteY1" fmla="*/ 0 h 13716"/>
+              <a:gd name="connsiteX2" fmla="*/ 1241250 w 3182692"/>
+              <a:gd name="connsiteY2" fmla="*/ 0 h 13716"/>
+              <a:gd name="connsiteX3" fmla="*/ 1909615 w 3182692"/>
+              <a:gd name="connsiteY3" fmla="*/ 0 h 13716"/>
+              <a:gd name="connsiteX4" fmla="*/ 2577981 w 3182692"/>
+              <a:gd name="connsiteY4" fmla="*/ 0 h 13716"/>
+              <a:gd name="connsiteX5" fmla="*/ 3182692 w 3182692"/>
+              <a:gd name="connsiteY5" fmla="*/ 0 h 13716"/>
+              <a:gd name="connsiteX6" fmla="*/ 3182692 w 3182692"/>
+              <a:gd name="connsiteY6" fmla="*/ 13716 h 13716"/>
+              <a:gd name="connsiteX7" fmla="*/ 2482500 w 3182692"/>
+              <a:gd name="connsiteY7" fmla="*/ 13716 h 13716"/>
+              <a:gd name="connsiteX8" fmla="*/ 1782308 w 3182692"/>
+              <a:gd name="connsiteY8" fmla="*/ 13716 h 13716"/>
+              <a:gd name="connsiteX9" fmla="*/ 1145769 w 3182692"/>
+              <a:gd name="connsiteY9" fmla="*/ 13716 h 13716"/>
+              <a:gd name="connsiteX10" fmla="*/ 0 w 3182692"/>
+              <a:gd name="connsiteY10" fmla="*/ 13716 h 13716"/>
+              <a:gd name="connsiteX11" fmla="*/ 0 w 3182692"/>
+              <a:gd name="connsiteY11" fmla="*/ 0 h 13716"/>
+              <a:gd name="connsiteX0" fmla="*/ 0 w 3182692"/>
+              <a:gd name="connsiteY0" fmla="*/ 0 h 13716"/>
+              <a:gd name="connsiteX1" fmla="*/ 604711 w 3182692"/>
+              <a:gd name="connsiteY1" fmla="*/ 0 h 13716"/>
+              <a:gd name="connsiteX2" fmla="*/ 1145769 w 3182692"/>
+              <a:gd name="connsiteY2" fmla="*/ 0 h 13716"/>
+              <a:gd name="connsiteX3" fmla="*/ 1845961 w 3182692"/>
+              <a:gd name="connsiteY3" fmla="*/ 0 h 13716"/>
+              <a:gd name="connsiteX4" fmla="*/ 2450673 w 3182692"/>
+              <a:gd name="connsiteY4" fmla="*/ 0 h 13716"/>
+              <a:gd name="connsiteX5" fmla="*/ 3182692 w 3182692"/>
+              <a:gd name="connsiteY5" fmla="*/ 0 h 13716"/>
+              <a:gd name="connsiteX6" fmla="*/ 3182692 w 3182692"/>
+              <a:gd name="connsiteY6" fmla="*/ 13716 h 13716"/>
+              <a:gd name="connsiteX7" fmla="*/ 2546154 w 3182692"/>
+              <a:gd name="connsiteY7" fmla="*/ 13716 h 13716"/>
+              <a:gd name="connsiteX8" fmla="*/ 1845961 w 3182692"/>
+              <a:gd name="connsiteY8" fmla="*/ 13716 h 13716"/>
+              <a:gd name="connsiteX9" fmla="*/ 1304904 w 3182692"/>
+              <a:gd name="connsiteY9" fmla="*/ 13716 h 13716"/>
+              <a:gd name="connsiteX10" fmla="*/ 668365 w 3182692"/>
+              <a:gd name="connsiteY10" fmla="*/ 13716 h 13716"/>
+              <a:gd name="connsiteX11" fmla="*/ 0 w 3182692"/>
+              <a:gd name="connsiteY11" fmla="*/ 13716 h 13716"/>
+              <a:gd name="connsiteX12" fmla="*/ 0 w 3182692"/>
+              <a:gd name="connsiteY12" fmla="*/ 0 h 13716"/>
+            </a:gdLst>
+            <a:ahLst/>
+            <a:cxnLst>
+              <a:cxn ang="0">
+                <a:pos x="connsiteX0" y="connsiteY0"/>
+              </a:cxn>
+              <a:cxn ang="0">
+                <a:pos x="connsiteX1" y="connsiteY1"/>
+              </a:cxn>
+              <a:cxn ang="0">
+                <a:pos x="connsiteX2" y="connsiteY2"/>
+              </a:cxn>
+              <a:cxn ang="0">
+                <a:pos x="connsiteX3" y="connsiteY3"/>
+              </a:cxn>
+              <a:cxn ang="0">
+                <a:pos x="connsiteX4" y="connsiteY4"/>
+              </a:cxn>
+              <a:cxn ang="0">
+                <a:pos x="connsiteX5" y="connsiteY5"/>
+              </a:cxn>
+              <a:cxn ang="0">
+                <a:pos x="connsiteX6" y="connsiteY6"/>
+              </a:cxn>
+              <a:cxn ang="0">
+                <a:pos x="connsiteX7" y="connsiteY7"/>
+              </a:cxn>
+              <a:cxn ang="0">
+                <a:pos x="connsiteX8" y="connsiteY8"/>
+              </a:cxn>
+              <a:cxn ang="0">
+                <a:pos x="connsiteX9" y="connsiteY9"/>
+              </a:cxn>
+              <a:cxn ang="0">
+                <a:pos x="connsiteX10" y="connsiteY10"/>
+              </a:cxn>
+              <a:cxn ang="0">
+                <a:pos x="connsiteX11" y="connsiteY11"/>
+              </a:cxn>
+              <a:cxn ang="0">
+                <a:pos x="connsiteX12" y="connsiteY12"/>
+              </a:cxn>
+            </a:cxnLst>
+            <a:rect l="l" t="t" r="r" b="b"/>
+            <a:pathLst>
+              <a:path w="3182692" h="13716" fill="none" extrusionOk="0">
+                <a:moveTo>
+                  <a:pt x="0" y="0"/>
+                </a:moveTo>
+                <a:cubicBezTo>
+                  <a:pt x="145195" y="-37571"/>
+                  <a:pt x="472618" y="-13696"/>
+                  <a:pt x="604711" y="0"/>
+                </a:cubicBezTo>
+                <a:cubicBezTo>
+                  <a:pt x="706652" y="-3280"/>
+                  <a:pt x="1039328" y="-8567"/>
+                  <a:pt x="1241250" y="0"/>
+                </a:cubicBezTo>
+                <a:cubicBezTo>
+                  <a:pt x="1405712" y="-7891"/>
+                  <a:pt x="1711158" y="8053"/>
+                  <a:pt x="1909615" y="0"/>
+                </a:cubicBezTo>
+                <a:cubicBezTo>
+                  <a:pt x="2107436" y="-40150"/>
+                  <a:pt x="2247192" y="19443"/>
+                  <a:pt x="2577981" y="0"/>
+                </a:cubicBezTo>
+                <a:cubicBezTo>
+                  <a:pt x="2894393" y="-5855"/>
+                  <a:pt x="3041563" y="17846"/>
+                  <a:pt x="3182692" y="0"/>
+                </a:cubicBezTo>
+                <a:cubicBezTo>
+                  <a:pt x="3182187" y="3577"/>
+                  <a:pt x="3182507" y="9896"/>
+                  <a:pt x="3182692" y="13716"/>
+                </a:cubicBezTo>
+                <a:cubicBezTo>
+                  <a:pt x="2975928" y="52878"/>
+                  <a:pt x="2667693" y="14834"/>
+                  <a:pt x="2482500" y="13716"/>
+                </a:cubicBezTo>
+                <a:cubicBezTo>
+                  <a:pt x="2299734" y="32340"/>
+                  <a:pt x="1925962" y="4731"/>
+                  <a:pt x="1782308" y="13716"/>
+                </a:cubicBezTo>
+                <a:cubicBezTo>
+                  <a:pt x="1635580" y="15974"/>
+                  <a:pt x="1257854" y="-8235"/>
+                  <a:pt x="1145769" y="13716"/>
+                </a:cubicBezTo>
+                <a:cubicBezTo>
+                  <a:pt x="1025065" y="52002"/>
+                  <a:pt x="247799" y="-16108"/>
+                  <a:pt x="0" y="13716"/>
+                </a:cubicBezTo>
+                <a:cubicBezTo>
+                  <a:pt x="77" y="9528"/>
+                  <a:pt x="-88" y="4529"/>
+                  <a:pt x="0" y="0"/>
+                </a:cubicBezTo>
+                <a:close/>
+              </a:path>
+              <a:path w="3182692" h="13716" stroke="0" extrusionOk="0">
+                <a:moveTo>
+                  <a:pt x="0" y="0"/>
+                </a:moveTo>
+                <a:cubicBezTo>
+                  <a:pt x="288308" y="19724"/>
+                  <a:pt x="431183" y="-26509"/>
+                  <a:pt x="604711" y="0"/>
+                </a:cubicBezTo>
+                <a:cubicBezTo>
+                  <a:pt x="795174" y="4405"/>
+                  <a:pt x="950067" y="22541"/>
+                  <a:pt x="1145769" y="0"/>
+                </a:cubicBezTo>
+                <a:cubicBezTo>
+                  <a:pt x="1301850" y="7702"/>
+                  <a:pt x="1499974" y="-70469"/>
+                  <a:pt x="1845961" y="0"/>
+                </a:cubicBezTo>
+                <a:cubicBezTo>
+                  <a:pt x="2191264" y="15313"/>
+                  <a:pt x="2307232" y="-97"/>
+                  <a:pt x="2450673" y="0"/>
+                </a:cubicBezTo>
+                <a:cubicBezTo>
+                  <a:pt x="2596405" y="-19465"/>
+                  <a:pt x="3033067" y="-31048"/>
+                  <a:pt x="3182692" y="0"/>
+                </a:cubicBezTo>
+                <a:cubicBezTo>
+                  <a:pt x="3181785" y="2997"/>
+                  <a:pt x="3182452" y="8915"/>
+                  <a:pt x="3182692" y="13716"/>
+                </a:cubicBezTo>
+                <a:cubicBezTo>
+                  <a:pt x="3091120" y="-27594"/>
+                  <a:pt x="2811074" y="57121"/>
+                  <a:pt x="2546154" y="13716"/>
+                </a:cubicBezTo>
+                <a:cubicBezTo>
+                  <a:pt x="2285186" y="22957"/>
+                  <a:pt x="2090205" y="-26893"/>
+                  <a:pt x="1845961" y="13716"/>
+                </a:cubicBezTo>
+                <a:cubicBezTo>
+                  <a:pt x="1599794" y="26921"/>
+                  <a:pt x="1466284" y="32875"/>
+                  <a:pt x="1304904" y="13716"/>
+                </a:cubicBezTo>
+                <a:cubicBezTo>
+                  <a:pt x="1189365" y="39203"/>
+                  <a:pt x="952251" y="18889"/>
+                  <a:pt x="668365" y="13716"/>
+                </a:cubicBezTo>
+                <a:cubicBezTo>
+                  <a:pt x="407868" y="39023"/>
+                  <a:pt x="284672" y="-13977"/>
+                  <a:pt x="0" y="13716"/>
+                </a:cubicBezTo>
+                <a:cubicBezTo>
+                  <a:pt x="-131" y="10721"/>
+                  <a:pt x="1210" y="5539"/>
+                  <a:pt x="0" y="0"/>
+                </a:cubicBezTo>
+                <a:close/>
+              </a:path>
+              <a:path w="3182692" h="13716" fill="none" stroke="0" extrusionOk="0">
+                <a:moveTo>
+                  <a:pt x="0" y="0"/>
+                </a:moveTo>
+                <a:cubicBezTo>
+                  <a:pt x="108839" y="-32375"/>
+                  <a:pt x="447732" y="16552"/>
+                  <a:pt x="604711" y="0"/>
+                </a:cubicBezTo>
+                <a:cubicBezTo>
+                  <a:pt x="781899" y="-548"/>
+                  <a:pt x="1052060" y="7118"/>
+                  <a:pt x="1241250" y="0"/>
+                </a:cubicBezTo>
+                <a:cubicBezTo>
+                  <a:pt x="1399482" y="14083"/>
+                  <a:pt x="1706293" y="54730"/>
+                  <a:pt x="1909615" y="0"/>
+                </a:cubicBezTo>
+                <a:cubicBezTo>
+                  <a:pt x="2085313" y="-24404"/>
+                  <a:pt x="2264415" y="16988"/>
+                  <a:pt x="2577981" y="0"/>
+                </a:cubicBezTo>
+                <a:cubicBezTo>
+                  <a:pt x="2926098" y="-10318"/>
+                  <a:pt x="3036314" y="-14769"/>
+                  <a:pt x="3182692" y="0"/>
+                </a:cubicBezTo>
+                <a:cubicBezTo>
+                  <a:pt x="3181757" y="2919"/>
+                  <a:pt x="3181706" y="10491"/>
+                  <a:pt x="3182692" y="13716"/>
+                </a:cubicBezTo>
+                <a:cubicBezTo>
+                  <a:pt x="2996012" y="-5803"/>
+                  <a:pt x="2669008" y="22823"/>
+                  <a:pt x="2482500" y="13716"/>
+                </a:cubicBezTo>
+                <a:cubicBezTo>
+                  <a:pt x="2296543" y="16674"/>
+                  <a:pt x="1935236" y="3366"/>
+                  <a:pt x="1782308" y="13716"/>
+                </a:cubicBezTo>
+                <a:cubicBezTo>
+                  <a:pt x="1607683" y="20918"/>
+                  <a:pt x="1291498" y="-3203"/>
+                  <a:pt x="1145769" y="13716"/>
+                </a:cubicBezTo>
+                <a:cubicBezTo>
+                  <a:pt x="1015407" y="50753"/>
+                  <a:pt x="262557" y="21999"/>
+                  <a:pt x="0" y="13716"/>
+                </a:cubicBezTo>
+                <a:cubicBezTo>
+                  <a:pt x="304" y="9505"/>
+                  <a:pt x="1021" y="5946"/>
+                  <a:pt x="0" y="0"/>
+                </a:cubicBezTo>
+                <a:close/>
+              </a:path>
+            </a:pathLst>
+          </a:custGeom>
+          <a:solidFill>
+            <a:srgbClr val="FFFFFF"/>
+          </a:solidFill>
+          <a:ln w="41275" cap="rnd">
+            <a:solidFill>
+              <a:srgbClr val="FFFFFF"/>
+            </a:solidFill>
+            <a:round/>
+            <a:extLst>
+              <a:ext uri="{C807C97D-BFC1-408E-A445-0C87EB9F89A2}">
+                <ask:lineSketchStyleProps xmlns:ask="http://schemas.microsoft.com/office/drawing/2018/sketchyshapes" sd="1219033472">
+                  <a:custGeom>
+                    <a:avLst/>
+                    <a:gdLst>
+                      <a:gd name="connsiteX0" fmla="*/ 0 w 3182692"/>
+                      <a:gd name="connsiteY0" fmla="*/ 0 h 13716"/>
+                      <a:gd name="connsiteX1" fmla="*/ 604711 w 3182692"/>
+                      <a:gd name="connsiteY1" fmla="*/ 0 h 13716"/>
+                      <a:gd name="connsiteX2" fmla="*/ 1241250 w 3182692"/>
+                      <a:gd name="connsiteY2" fmla="*/ 0 h 13716"/>
+                      <a:gd name="connsiteX3" fmla="*/ 1909615 w 3182692"/>
+                      <a:gd name="connsiteY3" fmla="*/ 0 h 13716"/>
+                      <a:gd name="connsiteX4" fmla="*/ 2577981 w 3182692"/>
+                      <a:gd name="connsiteY4" fmla="*/ 0 h 13716"/>
+                      <a:gd name="connsiteX5" fmla="*/ 3182692 w 3182692"/>
+                      <a:gd name="connsiteY5" fmla="*/ 0 h 13716"/>
+                      <a:gd name="connsiteX6" fmla="*/ 3182692 w 3182692"/>
+                      <a:gd name="connsiteY6" fmla="*/ 13716 h 13716"/>
+                      <a:gd name="connsiteX7" fmla="*/ 2482500 w 3182692"/>
+                      <a:gd name="connsiteY7" fmla="*/ 13716 h 13716"/>
+                      <a:gd name="connsiteX8" fmla="*/ 1782308 w 3182692"/>
+                      <a:gd name="connsiteY8" fmla="*/ 13716 h 13716"/>
+                      <a:gd name="connsiteX9" fmla="*/ 1145769 w 3182692"/>
+                      <a:gd name="connsiteY9" fmla="*/ 13716 h 13716"/>
+                      <a:gd name="connsiteX10" fmla="*/ 0 w 3182692"/>
+                      <a:gd name="connsiteY10" fmla="*/ 13716 h 13716"/>
+                      <a:gd name="connsiteX11" fmla="*/ 0 w 3182692"/>
+                      <a:gd name="connsiteY11" fmla="*/ 0 h 13716"/>
+                    </a:gdLst>
+                    <a:ahLst/>
+                    <a:cxnLst>
+                      <a:cxn ang="0">
+                        <a:pos x="connsiteX0" y="connsiteY0"/>
+                      </a:cxn>
+                      <a:cxn ang="0">
+                        <a:pos x="connsiteX1" y="connsiteY1"/>
+                      </a:cxn>
+                      <a:cxn ang="0">
+                        <a:pos x="connsiteX2" y="connsiteY2"/>
+                      </a:cxn>
+                      <a:cxn ang="0">
+                        <a:pos x="connsiteX3" y="connsiteY3"/>
+                      </a:cxn>
+                      <a:cxn ang="0">
+                        <a:pos x="connsiteX4" y="connsiteY4"/>
+                      </a:cxn>
+                      <a:cxn ang="0">
+                        <a:pos x="connsiteX5" y="connsiteY5"/>
+                      </a:cxn>
+                      <a:cxn ang="0">
+                        <a:pos x="connsiteX6" y="connsiteY6"/>
+                      </a:cxn>
+                      <a:cxn ang="0">
+                        <a:pos x="connsiteX7" y="connsiteY7"/>
+                      </a:cxn>
+                      <a:cxn ang="0">
+                        <a:pos x="connsiteX8" y="connsiteY8"/>
+                      </a:cxn>
+                      <a:cxn ang="0">
+                        <a:pos x="connsiteX9" y="connsiteY9"/>
+                      </a:cxn>
+                      <a:cxn ang="0">
+                        <a:pos x="connsiteX10" y="connsiteY10"/>
+                      </a:cxn>
+                      <a:cxn ang="0">
+                        <a:pos x="connsiteX11" y="connsiteY11"/>
+                      </a:cxn>
+                    </a:cxnLst>
+                    <a:rect l="l" t="t" r="r" b="b"/>
+                    <a:pathLst>
+                      <a:path w="3182692" h="13716" fill="none" extrusionOk="0">
+                        <a:moveTo>
+                          <a:pt x="0" y="0"/>
+                        </a:moveTo>
+                        <a:cubicBezTo>
+                          <a:pt x="126686" y="-21366"/>
+                          <a:pt x="467788" y="9025"/>
+                          <a:pt x="604711" y="0"/>
+                        </a:cubicBezTo>
+                        <a:cubicBezTo>
+                          <a:pt x="741634" y="-9025"/>
+                          <a:pt x="1061620" y="6814"/>
+                          <a:pt x="1241250" y="0"/>
+                        </a:cubicBezTo>
+                        <a:cubicBezTo>
+                          <a:pt x="1420880" y="-6814"/>
+                          <a:pt x="1713773" y="13383"/>
+                          <a:pt x="1909615" y="0"/>
+                        </a:cubicBezTo>
+                        <a:cubicBezTo>
+                          <a:pt x="2105457" y="-13383"/>
+                          <a:pt x="2257256" y="13567"/>
+                          <a:pt x="2577981" y="0"/>
+                        </a:cubicBezTo>
+                        <a:cubicBezTo>
+                          <a:pt x="2898706" y="-13567"/>
+                          <a:pt x="3026063" y="6328"/>
+                          <a:pt x="3182692" y="0"/>
+                        </a:cubicBezTo>
+                        <a:cubicBezTo>
+                          <a:pt x="3182212" y="2989"/>
+                          <a:pt x="3182051" y="10166"/>
+                          <a:pt x="3182692" y="13716"/>
+                        </a:cubicBezTo>
+                        <a:cubicBezTo>
+                          <a:pt x="2998421" y="17170"/>
+                          <a:pt x="2675038" y="14442"/>
+                          <a:pt x="2482500" y="13716"/>
+                        </a:cubicBezTo>
+                        <a:cubicBezTo>
+                          <a:pt x="2289962" y="12990"/>
+                          <a:pt x="1930644" y="2262"/>
+                          <a:pt x="1782308" y="13716"/>
+                        </a:cubicBezTo>
+                        <a:cubicBezTo>
+                          <a:pt x="1633972" y="25170"/>
+                          <a:pt x="1287388" y="-6564"/>
+                          <a:pt x="1145769" y="13716"/>
+                        </a:cubicBezTo>
+                        <a:cubicBezTo>
+                          <a:pt x="1004150" y="33996"/>
+                          <a:pt x="256377" y="-42010"/>
+                          <a:pt x="0" y="13716"/>
+                        </a:cubicBezTo>
+                        <a:cubicBezTo>
+                          <a:pt x="182" y="9317"/>
+                          <a:pt x="482" y="5285"/>
+                          <a:pt x="0" y="0"/>
+                        </a:cubicBezTo>
+                        <a:close/>
+                      </a:path>
+                      <a:path w="3182692" h="13716" stroke="0" extrusionOk="0">
+                        <a:moveTo>
+                          <a:pt x="0" y="0"/>
+                        </a:moveTo>
+                        <a:cubicBezTo>
+                          <a:pt x="283446" y="18201"/>
+                          <a:pt x="432812" y="7290"/>
+                          <a:pt x="604711" y="0"/>
+                        </a:cubicBezTo>
+                        <a:cubicBezTo>
+                          <a:pt x="776610" y="-7290"/>
+                          <a:pt x="982253" y="15478"/>
+                          <a:pt x="1145769" y="0"/>
+                        </a:cubicBezTo>
+                        <a:cubicBezTo>
+                          <a:pt x="1309285" y="-15478"/>
+                          <a:pt x="1514247" y="-25520"/>
+                          <a:pt x="1845961" y="0"/>
+                        </a:cubicBezTo>
+                        <a:cubicBezTo>
+                          <a:pt x="2177675" y="25520"/>
+                          <a:pt x="2297588" y="16646"/>
+                          <a:pt x="2450673" y="0"/>
+                        </a:cubicBezTo>
+                        <a:cubicBezTo>
+                          <a:pt x="2603758" y="-16646"/>
+                          <a:pt x="3023048" y="-21196"/>
+                          <a:pt x="3182692" y="0"/>
+                        </a:cubicBezTo>
+                        <a:cubicBezTo>
+                          <a:pt x="3182200" y="2764"/>
+                          <a:pt x="3182390" y="8747"/>
+                          <a:pt x="3182692" y="13716"/>
+                        </a:cubicBezTo>
+                        <a:cubicBezTo>
+                          <a:pt x="3039109" y="-17273"/>
+                          <a:pt x="2823860" y="9276"/>
+                          <a:pt x="2546154" y="13716"/>
+                        </a:cubicBezTo>
+                        <a:cubicBezTo>
+                          <a:pt x="2268448" y="18156"/>
+                          <a:pt x="2098674" y="719"/>
+                          <a:pt x="1845961" y="13716"/>
+                        </a:cubicBezTo>
+                        <a:cubicBezTo>
+                          <a:pt x="1593248" y="26713"/>
+                          <a:pt x="1456743" y="22988"/>
+                          <a:pt x="1304904" y="13716"/>
+                        </a:cubicBezTo>
+                        <a:cubicBezTo>
+                          <a:pt x="1153065" y="4444"/>
+                          <a:pt x="947204" y="6554"/>
+                          <a:pt x="668365" y="13716"/>
+                        </a:cubicBezTo>
+                        <a:cubicBezTo>
+                          <a:pt x="389526" y="20878"/>
+                          <a:pt x="288244" y="-9200"/>
+                          <a:pt x="0" y="13716"/>
+                        </a:cubicBezTo>
+                        <a:cubicBezTo>
+                          <a:pt x="614" y="9981"/>
+                          <a:pt x="600" y="5402"/>
+                          <a:pt x="0" y="0"/>
+                        </a:cubicBezTo>
+                        <a:close/>
+                      </a:path>
+                    </a:pathLst>
+                  </a:custGeom>
+                  <ask:type>
+                    <ask:lineSketchFreehand/>
+                  </ask:type>
+                </ask:lineSketchStyleProps>
+              </a:ext>
+            </a:extLst>
+          </a:ln>
+        </p:spPr>
+        <p:style>
+          <a:lnRef idx="2">
+            <a:schemeClr val="accent1">
+              <a:shade val="50000"/>
+            </a:schemeClr>
+          </a:lnRef>
+          <a:fillRef idx="1">
+            <a:schemeClr val="accent1"/>
+          </a:fillRef>
+          <a:effectRef idx="0">
+            <a:schemeClr val="accent1"/>
+          </a:effectRef>
+          <a:fontRef idx="minor">
+            <a:schemeClr val="lt1"/>
+          </a:fontRef>
+        </p:style>
+        <p:txBody>
+          <a:bodyPr rtlCol="0" anchor="ctr"/>
+          <a:lstStyle/>
+          <a:p>
+            <a:pPr algn="ctr"/>
+            <a:endParaRPr lang="en-US"/>
+          </a:p>
+        </p:txBody>
+      </p:sp>
+    </p:spTree>
+    <p:extLst>
+      <p:ext uri="{BB962C8B-B14F-4D97-AF65-F5344CB8AC3E}">
+        <p14:creationId xmlns:p14="http://schemas.microsoft.com/office/powerpoint/2010/main" val="552337652"/>
+      </p:ext>
+    </p:extLst>
+  </p:cSld>
+  <p:clrMapOvr>
+    <a:masterClrMapping/>
+  </p:clrMapOvr>
+</p:sld>
+</file>
+
+<file path=ppt/slides/slide10.xml><?xml version="1.0" encoding="utf-8"?>
+<p:sld xmlns:a="http://schemas.openxmlformats.org/drawingml/2006/main" xmlns:r="http://schemas.openxmlformats.org/officeDocument/2006/relationships" xmlns:p="http://schemas.openxmlformats.org/presentationml/2006/main">
+  <p:cSld>
+    <p:bg>
+      <p:bgPr>
+        <a:solidFill>
+          <a:schemeClr val="bg1"/>
+        </a:solidFill>
+        <a:effectLst/>
+      </p:bgPr>
+    </p:bg>
+    <p:spTree>
+      <p:nvGrpSpPr>
+        <p:cNvPr id="1" name=""/>
+        <p:cNvGrpSpPr/>
+        <p:nvPr/>
+      </p:nvGrpSpPr>
+      <p:grpSpPr>
+        <a:xfrm>
+          <a:off x="0" y="0"/>
+          <a:ext cx="0" cy="0"/>
+          <a:chOff x="0" y="0"/>
+          <a:chExt cx="0" cy="0"/>
+        </a:xfrm>
+      </p:grpSpPr>
+      <p:sp useBgFill="1">
+        <p:nvSpPr>
+          <p:cNvPr id="8" name="Rectangle 7">
+            <a:extLst>
+              <a:ext uri="{FF2B5EF4-FFF2-40B4-BE49-F238E27FC236}">
+                <a16:creationId xmlns:a16="http://schemas.microsoft.com/office/drawing/2014/main" id="{1B15ED52-F352-441B-82BF-E0EA34836D08}"/>
+              </a:ext>
+              <a:ext uri="{C183D7F6-B498-43B3-948B-1728B52AA6E4}">
+                <adec:decorative xmlns:adec="http://schemas.microsoft.com/office/drawing/2017/decorative" val="1"/>
+              </a:ext>
+            </a:extLst>
+          </p:cNvPr>
+          <p:cNvSpPr>
+            <a:spLocks noGrp="1" noRot="1" noChangeAspect="1" noMove="1" noResize="1" noEditPoints="1" noAdjustHandles="1" noChangeArrowheads="1" noChangeShapeType="1" noTextEdit="1"/>
+          </p:cNvSpPr>
+          <p:nvPr>
+            <p:extLst>
+              <p:ext uri="{386F3935-93C4-4BCD-93E2-E3B085C9AB24}">
+                <p16:designElem xmlns:p16="http://schemas.microsoft.com/office/powerpoint/2015/main" val="1"/>
+              </p:ext>
+            </p:extLst>
+          </p:nvPr>
+        </p:nvSpPr>
+        <p:spPr>
+          <a:xfrm>
+            <a:off x="0" y="0"/>
+            <a:ext cx="9144000" cy="5143500"/>
+          </a:xfrm>
+          <a:prstGeom prst="rect">
+            <a:avLst/>
+          </a:prstGeom>
+          <a:ln w="12700" cap="flat" cmpd="sng" algn="ctr">
+            <a:noFill/>
+            <a:prstDash val="solid"/>
+            <a:miter lim="800000"/>
+          </a:ln>
+          <a:effectLst/>
+          <a:extLst>
+            <a:ext uri="{91240B29-F687-4F45-9708-019B960494DF}">
+              <a14:hiddenLine xmlns:a14="http://schemas.microsoft.com/office/drawing/2010/main" w="12700" cap="flat" cmpd="sng" algn="ctr">
+                <a:solidFill>
+                  <a:schemeClr val="accent1">
+                    <a:shade val="50000"/>
+                  </a:schemeClr>
+                </a:solidFill>
+                <a:prstDash val="solid"/>
+                <a:miter lim="800000"/>
+              </a14:hiddenLine>
+            </a:ext>
+          </a:extLst>
+        </p:spPr>
+        <p:style>
+          <a:lnRef idx="2">
+            <a:schemeClr val="accent1">
+              <a:shade val="50000"/>
+            </a:schemeClr>
+          </a:lnRef>
+          <a:fillRef idx="1">
+            <a:schemeClr val="accent1"/>
+          </a:fillRef>
+          <a:effectRef idx="0">
+            <a:schemeClr val="accent1"/>
+          </a:effectRef>
+          <a:fontRef idx="minor">
+            <a:schemeClr val="lt1"/>
+          </a:fontRef>
+        </p:style>
+        <p:txBody>
+          <a:bodyPr rtlCol="0" anchor="ctr"/>
+          <a:lstStyle/>
+          <a:p>
+            <a:pPr algn="ctr"/>
+            <a:endParaRPr lang="en-US"/>
+          </a:p>
+        </p:txBody>
+      </p:sp>
+      <p:sp>
+        <p:nvSpPr>
+          <p:cNvPr id="10" name="Rectangle 9">
+            <a:extLst>
+              <a:ext uri="{FF2B5EF4-FFF2-40B4-BE49-F238E27FC236}">
+                <a16:creationId xmlns:a16="http://schemas.microsoft.com/office/drawing/2014/main" id="{3B2E3793-BFE6-45A2-9B7B-E18844431C99}"/>
+              </a:ext>
+              <a:ext uri="{C183D7F6-B498-43B3-948B-1728B52AA6E4}">
+                <adec:decorative xmlns:adec="http://schemas.microsoft.com/office/drawing/2017/decorative" val="1"/>
+              </a:ext>
+            </a:extLst>
+          </p:cNvPr>
+          <p:cNvSpPr>
+            <a:spLocks noGrp="1" noRot="1" noChangeAspect="1" noMove="1" noResize="1" noEditPoints="1" noAdjustHandles="1" noChangeArrowheads="1" noChangeShapeType="1" noTextEdit="1"/>
+          </p:cNvSpPr>
+          <p:nvPr>
+            <p:extLst>
+              <p:ext uri="{386F3935-93C4-4BCD-93E2-E3B085C9AB24}">
+                <p16:designElem xmlns:p16="http://schemas.microsoft.com/office/powerpoint/2015/main" val="1"/>
+              </p:ext>
+            </p:extLst>
+          </p:nvPr>
+        </p:nvSpPr>
+        <p:spPr>
+          <a:xfrm flipH="1">
+            <a:off x="0" y="0"/>
+            <a:ext cx="9143997" cy="1193055"/>
+          </a:xfrm>
+          <a:prstGeom prst="rect">
+            <a:avLst/>
+          </a:prstGeom>
+          <a:gradFill>
+            <a:gsLst>
+              <a:gs pos="0">
+                <a:srgbClr val="000000"/>
+              </a:gs>
+              <a:gs pos="100000">
+                <a:schemeClr val="accent1">
+                  <a:lumMod val="75000"/>
+                </a:schemeClr>
+              </a:gs>
+            </a:gsLst>
+            <a:lin ang="8400000" scaled="0"/>
+          </a:gradFill>
+          <a:ln>
+            <a:noFill/>
+          </a:ln>
+        </p:spPr>
+        <p:style>
+          <a:lnRef idx="2">
+            <a:schemeClr val="accent1">
+              <a:shade val="50000"/>
+            </a:schemeClr>
+          </a:lnRef>
+          <a:fillRef idx="1">
+            <a:schemeClr val="accent1"/>
+          </a:fillRef>
+          <a:effectRef idx="0">
+            <a:schemeClr val="accent1"/>
+          </a:effectRef>
+          <a:fontRef idx="minor">
+            <a:schemeClr val="lt1"/>
+          </a:fontRef>
+        </p:style>
+        <p:txBody>
+          <a:bodyPr rtlCol="0" anchor="ctr"/>
+          <a:lstStyle/>
+          <a:p>
+            <a:pPr algn="ctr"/>
+            <a:endParaRPr lang="en-US"/>
+          </a:p>
+        </p:txBody>
+      </p:sp>
+      <p:sp>
+        <p:nvSpPr>
+          <p:cNvPr id="12" name="Rectangle 11">
+            <a:extLst>
+              <a:ext uri="{FF2B5EF4-FFF2-40B4-BE49-F238E27FC236}">
+                <a16:creationId xmlns:a16="http://schemas.microsoft.com/office/drawing/2014/main" id="{BC4C4868-CB8F-4AF9-9CDB-8108F2C19B67}"/>
+              </a:ext>
+              <a:ext uri="{C183D7F6-B498-43B3-948B-1728B52AA6E4}">
+                <adec:decorative xmlns:adec="http://schemas.microsoft.com/office/drawing/2017/decorative" val="1"/>
+              </a:ext>
+            </a:extLst>
+          </p:cNvPr>
+          <p:cNvSpPr>
+            <a:spLocks noGrp="1" noRot="1" noChangeAspect="1" noMove="1" noResize="1" noEditPoints="1" noAdjustHandles="1" noChangeArrowheads="1" noChangeShapeType="1" noTextEdit="1"/>
+          </p:cNvSpPr>
+          <p:nvPr>
+            <p:extLst>
+              <p:ext uri="{386F3935-93C4-4BCD-93E2-E3B085C9AB24}">
+                <p16:designElem xmlns:p16="http://schemas.microsoft.com/office/powerpoint/2015/main" val="1"/>
+              </p:ext>
+            </p:extLst>
+          </p:nvPr>
+        </p:nvSpPr>
+        <p:spPr>
+          <a:xfrm rot="10800000" flipH="1">
+            <a:off x="-2" y="0"/>
+            <a:ext cx="6086479" cy="1193056"/>
+          </a:xfrm>
+          <a:prstGeom prst="rect">
+            <a:avLst/>
+          </a:prstGeom>
+          <a:gradFill>
+            <a:gsLst>
+              <a:gs pos="20000">
+                <a:schemeClr val="accent1">
+                  <a:alpha val="0"/>
+                </a:schemeClr>
+              </a:gs>
+              <a:gs pos="100000">
+                <a:schemeClr val="accent1">
+                  <a:lumMod val="50000"/>
+                  <a:alpha val="55000"/>
+                </a:schemeClr>
+              </a:gs>
+            </a:gsLst>
+            <a:lin ang="13800000" scaled="0"/>
+          </a:gradFill>
+          <a:ln>
+            <a:noFill/>
+          </a:ln>
+        </p:spPr>
+        <p:style>
+          <a:lnRef idx="2">
+            <a:schemeClr val="accent1">
+              <a:shade val="50000"/>
+            </a:schemeClr>
+          </a:lnRef>
+          <a:fillRef idx="1">
+            <a:schemeClr val="accent1"/>
+          </a:fillRef>
+          <a:effectRef idx="0">
+            <a:schemeClr val="accent1"/>
+          </a:effectRef>
+          <a:fontRef idx="minor">
+            <a:schemeClr val="lt1"/>
+          </a:fontRef>
+        </p:style>
+        <p:txBody>
+          <a:bodyPr rtlCol="0" anchor="ctr"/>
+          <a:lstStyle/>
+          <a:p>
+            <a:pPr algn="ctr"/>
+            <a:endParaRPr lang="en-US"/>
+          </a:p>
+        </p:txBody>
+      </p:sp>
+      <p:sp>
+        <p:nvSpPr>
+          <p:cNvPr id="14" name="Rectangle 13">
+            <a:extLst>
+              <a:ext uri="{FF2B5EF4-FFF2-40B4-BE49-F238E27FC236}">
+                <a16:creationId xmlns:a16="http://schemas.microsoft.com/office/drawing/2014/main" id="{375E0459-6403-40CD-989D-56A4407CA12E}"/>
+              </a:ext>
+              <a:ext uri="{C183D7F6-B498-43B3-948B-1728B52AA6E4}">
+                <adec:decorative xmlns:adec="http://schemas.microsoft.com/office/drawing/2017/decorative" val="1"/>
+              </a:ext>
+            </a:extLst>
+          </p:cNvPr>
+          <p:cNvSpPr>
+            <a:spLocks noGrp="1" noRot="1" noChangeAspect="1" noMove="1" noResize="1" noEditPoints="1" noAdjustHandles="1" noChangeArrowheads="1" noChangeShapeType="1" noTextEdit="1"/>
+          </p:cNvSpPr>
+          <p:nvPr>
+            <p:extLst>
+              <p:ext uri="{386F3935-93C4-4BCD-93E2-E3B085C9AB24}">
+                <p16:designElem xmlns:p16="http://schemas.microsoft.com/office/powerpoint/2015/main" val="1"/>
+              </p:ext>
+            </p:extLst>
+          </p:nvPr>
+        </p:nvSpPr>
+        <p:spPr>
+          <a:xfrm flipH="1">
+            <a:off x="6086474" y="0"/>
+            <a:ext cx="3057523" cy="1193055"/>
+          </a:xfrm>
+          <a:prstGeom prst="rect">
+            <a:avLst/>
+          </a:prstGeom>
+          <a:gradFill>
+            <a:gsLst>
+              <a:gs pos="0">
+                <a:schemeClr val="accent1">
+                  <a:alpha val="66000"/>
+                </a:schemeClr>
+              </a:gs>
+              <a:gs pos="100000">
+                <a:srgbClr val="000000">
+                  <a:alpha val="30000"/>
+                </a:srgbClr>
+              </a:gs>
+            </a:gsLst>
+            <a:lin ang="13200000" scaled="0"/>
+          </a:gradFill>
+          <a:ln>
+            <a:noFill/>
+          </a:ln>
+        </p:spPr>
+        <p:style>
+          <a:lnRef idx="2">
+            <a:schemeClr val="accent1">
+              <a:shade val="50000"/>
+            </a:schemeClr>
+          </a:lnRef>
+          <a:fillRef idx="1">
+            <a:schemeClr val="accent1"/>
+          </a:fillRef>
+          <a:effectRef idx="0">
+            <a:schemeClr val="accent1"/>
+          </a:effectRef>
+          <a:fontRef idx="minor">
+            <a:schemeClr val="lt1"/>
+          </a:fontRef>
+        </p:style>
+        <p:txBody>
+          <a:bodyPr rtlCol="0" anchor="ctr"/>
+          <a:lstStyle/>
+          <a:p>
+            <a:pPr algn="ctr"/>
+            <a:endParaRPr lang="en-US"/>
+          </a:p>
+        </p:txBody>
+      </p:sp>
+      <p:sp>
+        <p:nvSpPr>
+          <p:cNvPr id="16" name="Rectangle 15">
+            <a:extLst>
+              <a:ext uri="{FF2B5EF4-FFF2-40B4-BE49-F238E27FC236}">
+                <a16:creationId xmlns:a16="http://schemas.microsoft.com/office/drawing/2014/main" id="{53E5B1A8-3AC9-4BD1-9BBC-78CA94F2D1BA}"/>
+              </a:ext>
+              <a:ext uri="{C183D7F6-B498-43B3-948B-1728B52AA6E4}">
+                <adec:decorative xmlns:adec="http://schemas.microsoft.com/office/drawing/2017/decorative" val="1"/>
+              </a:ext>
+            </a:extLst>
+          </p:cNvPr>
+          <p:cNvSpPr>
+            <a:spLocks noGrp="1" noRot="1" noChangeAspect="1" noMove="1" noResize="1" noEditPoints="1" noAdjustHandles="1" noChangeArrowheads="1" noChangeShapeType="1" noTextEdit="1"/>
+          </p:cNvSpPr>
+          <p:nvPr>
+            <p:extLst>
+              <p:ext uri="{386F3935-93C4-4BCD-93E2-E3B085C9AB24}">
+                <p16:designElem xmlns:p16="http://schemas.microsoft.com/office/powerpoint/2015/main" val="1"/>
+              </p:ext>
+            </p:extLst>
+          </p:nvPr>
+        </p:nvSpPr>
+        <p:spPr>
+          <a:xfrm>
+            <a:off x="344512" y="0"/>
+            <a:ext cx="8799485" cy="1198074"/>
+          </a:xfrm>
+          <a:prstGeom prst="rect">
+            <a:avLst/>
+          </a:prstGeom>
+          <a:gradFill>
+            <a:gsLst>
+              <a:gs pos="50000">
+                <a:srgbClr val="000000">
+                  <a:alpha val="0"/>
+                </a:srgbClr>
+              </a:gs>
+              <a:gs pos="99000">
+                <a:schemeClr val="accent1">
+                  <a:lumMod val="50000"/>
+                  <a:alpha val="52000"/>
+                </a:schemeClr>
+              </a:gs>
+            </a:gsLst>
+            <a:lin ang="16800000" scaled="0"/>
+          </a:gradFill>
+          <a:ln>
+            <a:noFill/>
+          </a:ln>
+        </p:spPr>
+        <p:style>
+          <a:lnRef idx="2">
+            <a:schemeClr val="accent1">
+              <a:shade val="50000"/>
+            </a:schemeClr>
+          </a:lnRef>
+          <a:fillRef idx="1">
+            <a:schemeClr val="accent1"/>
+          </a:fillRef>
+          <a:effectRef idx="0">
+            <a:schemeClr val="accent1"/>
+          </a:effectRef>
+          <a:fontRef idx="minor">
+            <a:schemeClr val="lt1"/>
+          </a:fontRef>
+        </p:style>
+        <p:txBody>
+          <a:bodyPr rtlCol="0" anchor="ctr"/>
+          <a:lstStyle/>
+          <a:p>
+            <a:pPr algn="ctr"/>
+            <a:endParaRPr lang="en-US"/>
+          </a:p>
+        </p:txBody>
+      </p:sp>
+      <p:sp>
+        <p:nvSpPr>
+          <p:cNvPr id="2" name="Title 1">
+            <a:extLst>
+              <a:ext uri="{FF2B5EF4-FFF2-40B4-BE49-F238E27FC236}">
+                <a16:creationId xmlns:a16="http://schemas.microsoft.com/office/drawing/2014/main" id="{01262BE0-E5D0-18C2-C519-92BCFCBC0D04}"/>
+              </a:ext>
+            </a:extLst>
+          </p:cNvPr>
+          <p:cNvSpPr>
+            <a:spLocks noGrp="1"/>
+          </p:cNvSpPr>
+          <p:nvPr>
+            <p:ph type="title"/>
+          </p:nvPr>
+        </p:nvSpPr>
+        <p:spPr>
+          <a:xfrm>
+            <a:off x="1028699" y="220903"/>
+            <a:ext cx="7421963" cy="775252"/>
+          </a:xfrm>
+        </p:spPr>
+        <p:txBody>
+          <a:bodyPr vert="horz" lIns="91440" tIns="45720" rIns="91440" bIns="45720" rtlCol="0" anchor="ctr">
+            <a:normAutofit/>
+          </a:bodyPr>
+          <a:lstStyle/>
+          <a:p>
+            <a:pPr defTabSz="914400">
+              <a:spcBef>
+                <a:spcPct val="0"/>
+              </a:spcBef>
+            </a:pPr>
+            <a:r>
+              <a:rPr lang="en-US" sz="2800" kern="1200">
+                <a:solidFill>
+                  <a:srgbClr val="FFFFFF"/>
+                </a:solidFill>
+                <a:latin typeface="+mj-lt"/>
+                <a:ea typeface="+mj-ea"/>
+                <a:cs typeface="+mj-cs"/>
+              </a:rPr>
+              <a:t>Amazon GuardDuty –Trusted and Threat IP Lists</a:t>
+            </a:r>
+          </a:p>
+        </p:txBody>
+      </p:sp>
+      <p:sp>
+        <p:nvSpPr>
+          <p:cNvPr id="3" name="Text Placeholder 2">
+            <a:extLst>
+              <a:ext uri="{FF2B5EF4-FFF2-40B4-BE49-F238E27FC236}">
+                <a16:creationId xmlns:a16="http://schemas.microsoft.com/office/drawing/2014/main" id="{77B0618A-927A-01AC-2E5E-26741CD99C77}"/>
+              </a:ext>
+            </a:extLst>
+          </p:cNvPr>
+          <p:cNvSpPr>
+            <a:spLocks noGrp="1"/>
+          </p:cNvSpPr>
+          <p:nvPr>
+            <p:ph type="body" idx="1"/>
+          </p:nvPr>
+        </p:nvSpPr>
+        <p:spPr>
+          <a:xfrm>
+            <a:off x="1028699" y="1738647"/>
+            <a:ext cx="7293023" cy="2762519"/>
+          </a:xfrm>
+        </p:spPr>
+        <p:txBody>
+          <a:bodyPr vert="horz" lIns="91440" tIns="45720" rIns="91440" bIns="45720" rtlCol="0" anchor="ctr">
+            <a:normAutofit/>
+          </a:bodyPr>
+          <a:lstStyle/>
+          <a:p>
+            <a:pPr indent="-228600" defTabSz="914400">
+              <a:spcAft>
+                <a:spcPts val="600"/>
+              </a:spcAft>
+              <a:buFont typeface="Arial" panose="020B0604020202020204" pitchFamily="34" charset="0"/>
+              <a:buChar char="•"/>
+            </a:pPr>
+            <a:r>
+              <a:rPr lang="en-US" sz="1400"/>
+              <a:t>Works only for public IP addresses  </a:t>
+            </a:r>
+          </a:p>
+          <a:p>
+            <a:pPr indent="-228600" defTabSz="914400">
+              <a:spcAft>
+                <a:spcPts val="600"/>
+              </a:spcAft>
+              <a:buFont typeface="Arial" panose="020B0604020202020204" pitchFamily="34" charset="0"/>
+              <a:buChar char="•"/>
+            </a:pPr>
+            <a:r>
+              <a:rPr lang="en-US" sz="1400" b="1"/>
+              <a:t>Trusted IP List  </a:t>
+            </a:r>
+          </a:p>
+          <a:p>
+            <a:pPr lvl="1" indent="-228600" defTabSz="914400">
+              <a:spcAft>
+                <a:spcPts val="600"/>
+              </a:spcAft>
+              <a:buFont typeface="Arial" panose="020B0604020202020204" pitchFamily="34" charset="0"/>
+              <a:buChar char="•"/>
+            </a:pPr>
+            <a:r>
+              <a:rPr lang="en-US" sz="1400"/>
+              <a:t>List of IP addresses and CIDR ranges that you trust </a:t>
+            </a:r>
+          </a:p>
+          <a:p>
+            <a:pPr lvl="1" indent="-228600" defTabSz="914400">
+              <a:spcAft>
+                <a:spcPts val="600"/>
+              </a:spcAft>
+              <a:buFont typeface="Arial" panose="020B0604020202020204" pitchFamily="34" charset="0"/>
+              <a:buChar char="•"/>
+            </a:pPr>
+            <a:r>
+              <a:rPr lang="en-US" sz="1400" b="1"/>
+              <a:t>GuardDuty doesn’t generate findings for these trusted lists</a:t>
+            </a:r>
+          </a:p>
+          <a:p>
+            <a:pPr indent="-228600" defTabSz="914400">
+              <a:spcAft>
+                <a:spcPts val="600"/>
+              </a:spcAft>
+              <a:buFont typeface="Arial" panose="020B0604020202020204" pitchFamily="34" charset="0"/>
+              <a:buChar char="•"/>
+            </a:pPr>
+            <a:r>
+              <a:rPr lang="en-US" sz="1400" b="1"/>
+              <a:t>Threat IP List  </a:t>
+            </a:r>
+          </a:p>
+          <a:p>
+            <a:pPr lvl="1" indent="-228600" defTabSz="914400">
+              <a:spcAft>
+                <a:spcPts val="600"/>
+              </a:spcAft>
+              <a:buFont typeface="Arial" panose="020B0604020202020204" pitchFamily="34" charset="0"/>
+              <a:buChar char="•"/>
+            </a:pPr>
+            <a:r>
+              <a:rPr lang="en-US" sz="1400"/>
+              <a:t>List of known malicious IP addresses and CIDR ranges </a:t>
+            </a:r>
+          </a:p>
+          <a:p>
+            <a:pPr lvl="1" indent="-228600" defTabSz="914400">
+              <a:spcAft>
+                <a:spcPts val="600"/>
+              </a:spcAft>
+              <a:buFont typeface="Arial" panose="020B0604020202020204" pitchFamily="34" charset="0"/>
+              <a:buChar char="•"/>
+            </a:pPr>
+            <a:r>
+              <a:rPr lang="en-US" sz="1400"/>
+              <a:t>GuardDuty generates findings based on these threat lists  </a:t>
+            </a:r>
+          </a:p>
+          <a:p>
+            <a:pPr lvl="1" indent="-228600" defTabSz="914400">
+              <a:spcAft>
+                <a:spcPts val="600"/>
+              </a:spcAft>
+              <a:buFont typeface="Arial" panose="020B0604020202020204" pitchFamily="34" charset="0"/>
+              <a:buChar char="•"/>
+            </a:pPr>
+            <a:r>
+              <a:rPr lang="en-US" sz="1400"/>
+              <a:t>Can be supplied by 3rd party threat intelligence or created custom for you </a:t>
+            </a:r>
+          </a:p>
+          <a:p>
+            <a:pPr indent="-228600" defTabSz="914400">
+              <a:spcAft>
+                <a:spcPts val="600"/>
+              </a:spcAft>
+              <a:buFont typeface="Arial" panose="020B0604020202020204" pitchFamily="34" charset="0"/>
+              <a:buChar char="•"/>
+            </a:pPr>
+            <a:r>
+              <a:rPr lang="en-US" sz="1400"/>
+              <a:t>In a multi-account GuardDuty setup, only the GuardDuty administrator account can manage those lists</a:t>
+            </a:r>
+          </a:p>
+        </p:txBody>
+      </p:sp>
+    </p:spTree>
+    <p:extLst>
+      <p:ext uri="{BB962C8B-B14F-4D97-AF65-F5344CB8AC3E}">
+        <p14:creationId xmlns:p14="http://schemas.microsoft.com/office/powerpoint/2010/main" val="3669862346"/>
+      </p:ext>
+    </p:extLst>
+  </p:cSld>
+  <p:clrMapOvr>
+    <a:masterClrMapping/>
+  </p:clrMapOvr>
+</p:sld>
+</file>
+
+<file path=ppt/slides/slide11.xml><?xml version="1.0" encoding="utf-8"?>
+<p:sld xmlns:a="http://schemas.openxmlformats.org/drawingml/2006/main" xmlns:r="http://schemas.openxmlformats.org/officeDocument/2006/relationships" xmlns:p="http://schemas.openxmlformats.org/presentationml/2006/main">
+  <p:cSld>
+    <p:bg>
+      <p:bgPr>
+        <a:solidFill>
+          <a:schemeClr val="bg1"/>
+        </a:solidFill>
+        <a:effectLst/>
+      </p:bgPr>
+    </p:bg>
+    <p:spTree>
+      <p:nvGrpSpPr>
+        <p:cNvPr id="1" name=""/>
+        <p:cNvGrpSpPr/>
+        <p:nvPr/>
+      </p:nvGrpSpPr>
+      <p:grpSpPr>
+        <a:xfrm>
+          <a:off x="0" y="0"/>
+          <a:ext cx="0" cy="0"/>
+          <a:chOff x="0" y="0"/>
+          <a:chExt cx="0" cy="0"/>
+        </a:xfrm>
+      </p:grpSpPr>
+      <p:sp useBgFill="1">
+        <p:nvSpPr>
+          <p:cNvPr id="8" name="Rectangle 7">
+            <a:extLst>
+              <a:ext uri="{FF2B5EF4-FFF2-40B4-BE49-F238E27FC236}">
+                <a16:creationId xmlns:a16="http://schemas.microsoft.com/office/drawing/2014/main" id="{1B15ED52-F352-441B-82BF-E0EA34836D08}"/>
+              </a:ext>
+              <a:ext uri="{C183D7F6-B498-43B3-948B-1728B52AA6E4}">
+                <adec:decorative xmlns:adec="http://schemas.microsoft.com/office/drawing/2017/decorative" val="1"/>
+              </a:ext>
+            </a:extLst>
+          </p:cNvPr>
+          <p:cNvSpPr>
+            <a:spLocks noGrp="1" noRot="1" noChangeAspect="1" noMove="1" noResize="1" noEditPoints="1" noAdjustHandles="1" noChangeArrowheads="1" noChangeShapeType="1" noTextEdit="1"/>
+          </p:cNvSpPr>
+          <p:nvPr>
+            <p:extLst>
+              <p:ext uri="{386F3935-93C4-4BCD-93E2-E3B085C9AB24}">
+                <p16:designElem xmlns:p16="http://schemas.microsoft.com/office/powerpoint/2015/main" val="1"/>
+              </p:ext>
+            </p:extLst>
+          </p:nvPr>
+        </p:nvSpPr>
+        <p:spPr>
+          <a:xfrm>
+            <a:off x="0" y="0"/>
+            <a:ext cx="9144000" cy="5143500"/>
+          </a:xfrm>
+          <a:prstGeom prst="rect">
+            <a:avLst/>
+          </a:prstGeom>
+          <a:ln w="12700" cap="flat" cmpd="sng" algn="ctr">
+            <a:noFill/>
+            <a:prstDash val="solid"/>
+            <a:miter lim="800000"/>
+          </a:ln>
+          <a:effectLst/>
+          <a:extLst>
+            <a:ext uri="{91240B29-F687-4F45-9708-019B960494DF}">
+              <a14:hiddenLine xmlns:a14="http://schemas.microsoft.com/office/drawing/2010/main" w="12700" cap="flat" cmpd="sng" algn="ctr">
+                <a:solidFill>
+                  <a:schemeClr val="accent1">
+                    <a:shade val="50000"/>
+                  </a:schemeClr>
+                </a:solidFill>
+                <a:prstDash val="solid"/>
+                <a:miter lim="800000"/>
+              </a14:hiddenLine>
+            </a:ext>
+          </a:extLst>
+        </p:spPr>
+        <p:style>
+          <a:lnRef idx="2">
+            <a:schemeClr val="accent1">
+              <a:shade val="50000"/>
+            </a:schemeClr>
+          </a:lnRef>
+          <a:fillRef idx="1">
+            <a:schemeClr val="accent1"/>
+          </a:fillRef>
+          <a:effectRef idx="0">
+            <a:schemeClr val="accent1"/>
+          </a:effectRef>
+          <a:fontRef idx="minor">
+            <a:schemeClr val="lt1"/>
+          </a:fontRef>
+        </p:style>
+        <p:txBody>
+          <a:bodyPr rtlCol="0" anchor="ctr"/>
+          <a:lstStyle/>
+          <a:p>
+            <a:pPr algn="ctr"/>
+            <a:endParaRPr lang="en-US"/>
+          </a:p>
+        </p:txBody>
+      </p:sp>
+      <p:sp>
+        <p:nvSpPr>
+          <p:cNvPr id="10" name="Rectangle 9">
+            <a:extLst>
+              <a:ext uri="{FF2B5EF4-FFF2-40B4-BE49-F238E27FC236}">
+                <a16:creationId xmlns:a16="http://schemas.microsoft.com/office/drawing/2014/main" id="{3B2E3793-BFE6-45A2-9B7B-E18844431C99}"/>
+              </a:ext>
+              <a:ext uri="{C183D7F6-B498-43B3-948B-1728B52AA6E4}">
+                <adec:decorative xmlns:adec="http://schemas.microsoft.com/office/drawing/2017/decorative" val="1"/>
+              </a:ext>
+            </a:extLst>
+          </p:cNvPr>
+          <p:cNvSpPr>
+            <a:spLocks noGrp="1" noRot="1" noChangeAspect="1" noMove="1" noResize="1" noEditPoints="1" noAdjustHandles="1" noChangeArrowheads="1" noChangeShapeType="1" noTextEdit="1"/>
+          </p:cNvSpPr>
+          <p:nvPr>
+            <p:extLst>
+              <p:ext uri="{386F3935-93C4-4BCD-93E2-E3B085C9AB24}">
+                <p16:designElem xmlns:p16="http://schemas.microsoft.com/office/powerpoint/2015/main" val="1"/>
+              </p:ext>
+            </p:extLst>
+          </p:nvPr>
+        </p:nvSpPr>
+        <p:spPr>
+          <a:xfrm flipH="1">
+            <a:off x="0" y="0"/>
+            <a:ext cx="9143997" cy="1193055"/>
+          </a:xfrm>
+          <a:prstGeom prst="rect">
+            <a:avLst/>
+          </a:prstGeom>
+          <a:gradFill>
+            <a:gsLst>
+              <a:gs pos="0">
+                <a:srgbClr val="000000"/>
+              </a:gs>
+              <a:gs pos="100000">
+                <a:schemeClr val="accent1">
+                  <a:lumMod val="75000"/>
+                </a:schemeClr>
+              </a:gs>
+            </a:gsLst>
+            <a:lin ang="8400000" scaled="0"/>
+          </a:gradFill>
+          <a:ln>
+            <a:noFill/>
+          </a:ln>
+        </p:spPr>
+        <p:style>
+          <a:lnRef idx="2">
+            <a:schemeClr val="accent1">
+              <a:shade val="50000"/>
+            </a:schemeClr>
+          </a:lnRef>
+          <a:fillRef idx="1">
+            <a:schemeClr val="accent1"/>
+          </a:fillRef>
+          <a:effectRef idx="0">
+            <a:schemeClr val="accent1"/>
+          </a:effectRef>
+          <a:fontRef idx="minor">
+            <a:schemeClr val="lt1"/>
+          </a:fontRef>
+        </p:style>
+        <p:txBody>
+          <a:bodyPr rtlCol="0" anchor="ctr"/>
+          <a:lstStyle/>
+          <a:p>
+            <a:pPr algn="ctr"/>
+            <a:endParaRPr lang="en-US"/>
+          </a:p>
+        </p:txBody>
+      </p:sp>
+      <p:sp>
+        <p:nvSpPr>
+          <p:cNvPr id="12" name="Rectangle 11">
+            <a:extLst>
+              <a:ext uri="{FF2B5EF4-FFF2-40B4-BE49-F238E27FC236}">
+                <a16:creationId xmlns:a16="http://schemas.microsoft.com/office/drawing/2014/main" id="{BC4C4868-CB8F-4AF9-9CDB-8108F2C19B67}"/>
+              </a:ext>
+              <a:ext uri="{C183D7F6-B498-43B3-948B-1728B52AA6E4}">
+                <adec:decorative xmlns:adec="http://schemas.microsoft.com/office/drawing/2017/decorative" val="1"/>
+              </a:ext>
+            </a:extLst>
+          </p:cNvPr>
+          <p:cNvSpPr>
+            <a:spLocks noGrp="1" noRot="1" noChangeAspect="1" noMove="1" noResize="1" noEditPoints="1" noAdjustHandles="1" noChangeArrowheads="1" noChangeShapeType="1" noTextEdit="1"/>
+          </p:cNvSpPr>
+          <p:nvPr>
+            <p:extLst>
+              <p:ext uri="{386F3935-93C4-4BCD-93E2-E3B085C9AB24}">
+                <p16:designElem xmlns:p16="http://schemas.microsoft.com/office/powerpoint/2015/main" val="1"/>
+              </p:ext>
+            </p:extLst>
+          </p:nvPr>
+        </p:nvSpPr>
+        <p:spPr>
+          <a:xfrm rot="10800000" flipH="1">
+            <a:off x="-2" y="0"/>
+            <a:ext cx="6086479" cy="1193056"/>
+          </a:xfrm>
+          <a:prstGeom prst="rect">
+            <a:avLst/>
+          </a:prstGeom>
+          <a:gradFill>
+            <a:gsLst>
+              <a:gs pos="20000">
+                <a:schemeClr val="accent1">
+                  <a:alpha val="0"/>
+                </a:schemeClr>
+              </a:gs>
+              <a:gs pos="100000">
+                <a:schemeClr val="accent1">
+                  <a:lumMod val="50000"/>
+                  <a:alpha val="55000"/>
+                </a:schemeClr>
+              </a:gs>
+            </a:gsLst>
+            <a:lin ang="13800000" scaled="0"/>
+          </a:gradFill>
+          <a:ln>
+            <a:noFill/>
+          </a:ln>
+        </p:spPr>
+        <p:style>
+          <a:lnRef idx="2">
+            <a:schemeClr val="accent1">
+              <a:shade val="50000"/>
+            </a:schemeClr>
+          </a:lnRef>
+          <a:fillRef idx="1">
+            <a:schemeClr val="accent1"/>
+          </a:fillRef>
+          <a:effectRef idx="0">
+            <a:schemeClr val="accent1"/>
+          </a:effectRef>
+          <a:fontRef idx="minor">
+            <a:schemeClr val="lt1"/>
+          </a:fontRef>
+        </p:style>
+        <p:txBody>
+          <a:bodyPr rtlCol="0" anchor="ctr"/>
+          <a:lstStyle/>
+          <a:p>
+            <a:pPr algn="ctr"/>
+            <a:endParaRPr lang="en-US"/>
+          </a:p>
+        </p:txBody>
+      </p:sp>
+      <p:sp>
+        <p:nvSpPr>
+          <p:cNvPr id="14" name="Rectangle 13">
+            <a:extLst>
+              <a:ext uri="{FF2B5EF4-FFF2-40B4-BE49-F238E27FC236}">
+                <a16:creationId xmlns:a16="http://schemas.microsoft.com/office/drawing/2014/main" id="{375E0459-6403-40CD-989D-56A4407CA12E}"/>
+              </a:ext>
+              <a:ext uri="{C183D7F6-B498-43B3-948B-1728B52AA6E4}">
+                <adec:decorative xmlns:adec="http://schemas.microsoft.com/office/drawing/2017/decorative" val="1"/>
+              </a:ext>
+            </a:extLst>
+          </p:cNvPr>
+          <p:cNvSpPr>
+            <a:spLocks noGrp="1" noRot="1" noChangeAspect="1" noMove="1" noResize="1" noEditPoints="1" noAdjustHandles="1" noChangeArrowheads="1" noChangeShapeType="1" noTextEdit="1"/>
+          </p:cNvSpPr>
+          <p:nvPr>
+            <p:extLst>
+              <p:ext uri="{386F3935-93C4-4BCD-93E2-E3B085C9AB24}">
+                <p16:designElem xmlns:p16="http://schemas.microsoft.com/office/powerpoint/2015/main" val="1"/>
+              </p:ext>
+            </p:extLst>
+          </p:nvPr>
+        </p:nvSpPr>
+        <p:spPr>
+          <a:xfrm flipH="1">
+            <a:off x="6086474" y="0"/>
+            <a:ext cx="3057523" cy="1193055"/>
+          </a:xfrm>
+          <a:prstGeom prst="rect">
+            <a:avLst/>
+          </a:prstGeom>
+          <a:gradFill>
+            <a:gsLst>
+              <a:gs pos="0">
+                <a:schemeClr val="accent1">
+                  <a:alpha val="66000"/>
+                </a:schemeClr>
+              </a:gs>
+              <a:gs pos="100000">
+                <a:srgbClr val="000000">
+                  <a:alpha val="30000"/>
+                </a:srgbClr>
+              </a:gs>
+            </a:gsLst>
+            <a:lin ang="13200000" scaled="0"/>
+          </a:gradFill>
+          <a:ln>
+            <a:noFill/>
+          </a:ln>
+        </p:spPr>
+        <p:style>
+          <a:lnRef idx="2">
+            <a:schemeClr val="accent1">
+              <a:shade val="50000"/>
+            </a:schemeClr>
+          </a:lnRef>
+          <a:fillRef idx="1">
+            <a:schemeClr val="accent1"/>
+          </a:fillRef>
+          <a:effectRef idx="0">
+            <a:schemeClr val="accent1"/>
+          </a:effectRef>
+          <a:fontRef idx="minor">
+            <a:schemeClr val="lt1"/>
+          </a:fontRef>
+        </p:style>
+        <p:txBody>
+          <a:bodyPr rtlCol="0" anchor="ctr"/>
+          <a:lstStyle/>
+          <a:p>
+            <a:pPr algn="ctr"/>
+            <a:endParaRPr lang="en-US"/>
+          </a:p>
+        </p:txBody>
+      </p:sp>
+      <p:sp>
+        <p:nvSpPr>
+          <p:cNvPr id="16" name="Rectangle 15">
+            <a:extLst>
+              <a:ext uri="{FF2B5EF4-FFF2-40B4-BE49-F238E27FC236}">
+                <a16:creationId xmlns:a16="http://schemas.microsoft.com/office/drawing/2014/main" id="{53E5B1A8-3AC9-4BD1-9BBC-78CA94F2D1BA}"/>
+              </a:ext>
+              <a:ext uri="{C183D7F6-B498-43B3-948B-1728B52AA6E4}">
+                <adec:decorative xmlns:adec="http://schemas.microsoft.com/office/drawing/2017/decorative" val="1"/>
+              </a:ext>
+            </a:extLst>
+          </p:cNvPr>
+          <p:cNvSpPr>
+            <a:spLocks noGrp="1" noRot="1" noChangeAspect="1" noMove="1" noResize="1" noEditPoints="1" noAdjustHandles="1" noChangeArrowheads="1" noChangeShapeType="1" noTextEdit="1"/>
+          </p:cNvSpPr>
+          <p:nvPr>
+            <p:extLst>
+              <p:ext uri="{386F3935-93C4-4BCD-93E2-E3B085C9AB24}">
+                <p16:designElem xmlns:p16="http://schemas.microsoft.com/office/powerpoint/2015/main" val="1"/>
+              </p:ext>
+            </p:extLst>
+          </p:nvPr>
+        </p:nvSpPr>
+        <p:spPr>
+          <a:xfrm>
+            <a:off x="344512" y="0"/>
+            <a:ext cx="8799485" cy="1198074"/>
+          </a:xfrm>
+          <a:prstGeom prst="rect">
+            <a:avLst/>
+          </a:prstGeom>
+          <a:gradFill>
+            <a:gsLst>
+              <a:gs pos="50000">
+                <a:srgbClr val="000000">
+                  <a:alpha val="0"/>
+                </a:srgbClr>
+              </a:gs>
+              <a:gs pos="99000">
+                <a:schemeClr val="accent1">
+                  <a:lumMod val="50000"/>
+                  <a:alpha val="52000"/>
+                </a:schemeClr>
+              </a:gs>
+            </a:gsLst>
+            <a:lin ang="16800000" scaled="0"/>
+          </a:gradFill>
+          <a:ln>
+            <a:noFill/>
+          </a:ln>
+        </p:spPr>
+        <p:style>
+          <a:lnRef idx="2">
+            <a:schemeClr val="accent1">
+              <a:shade val="50000"/>
+            </a:schemeClr>
+          </a:lnRef>
+          <a:fillRef idx="1">
+            <a:schemeClr val="accent1"/>
+          </a:fillRef>
+          <a:effectRef idx="0">
+            <a:schemeClr val="accent1"/>
+          </a:effectRef>
+          <a:fontRef idx="minor">
+            <a:schemeClr val="lt1"/>
+          </a:fontRef>
+        </p:style>
+        <p:txBody>
+          <a:bodyPr rtlCol="0" anchor="ctr"/>
+          <a:lstStyle/>
+          <a:p>
+            <a:pPr algn="ctr"/>
+            <a:endParaRPr lang="en-US"/>
+          </a:p>
+        </p:txBody>
+      </p:sp>
+      <p:sp>
+        <p:nvSpPr>
+          <p:cNvPr id="2" name="Title 1">
+            <a:extLst>
+              <a:ext uri="{FF2B5EF4-FFF2-40B4-BE49-F238E27FC236}">
+                <a16:creationId xmlns:a16="http://schemas.microsoft.com/office/drawing/2014/main" id="{86847912-0C8D-2D00-5634-A280C4ABFB6B}"/>
+              </a:ext>
+            </a:extLst>
+          </p:cNvPr>
+          <p:cNvSpPr>
+            <a:spLocks noGrp="1"/>
+          </p:cNvSpPr>
+          <p:nvPr>
+            <p:ph type="title"/>
+          </p:nvPr>
+        </p:nvSpPr>
+        <p:spPr>
+          <a:xfrm>
+            <a:off x="1028699" y="220903"/>
+            <a:ext cx="7421963" cy="775252"/>
+          </a:xfrm>
+        </p:spPr>
+        <p:txBody>
+          <a:bodyPr vert="horz" lIns="91440" tIns="45720" rIns="91440" bIns="45720" rtlCol="0" anchor="ctr">
+            <a:normAutofit/>
+          </a:bodyPr>
+          <a:lstStyle/>
+          <a:p>
+            <a:pPr defTabSz="914400">
+              <a:spcBef>
+                <a:spcPct val="0"/>
+              </a:spcBef>
+            </a:pPr>
+            <a:r>
+              <a:rPr lang="en-US" sz="3000" kern="1200">
+                <a:solidFill>
+                  <a:srgbClr val="FFFFFF"/>
+                </a:solidFill>
+                <a:latin typeface="+mj-lt"/>
+                <a:ea typeface="+mj-ea"/>
+                <a:cs typeface="+mj-cs"/>
+              </a:rPr>
+              <a:t>Amazon GuardDuty – Suppression Rules</a:t>
+            </a:r>
+          </a:p>
+        </p:txBody>
+      </p:sp>
+      <p:sp>
+        <p:nvSpPr>
+          <p:cNvPr id="3" name="Text Placeholder 2">
+            <a:extLst>
+              <a:ext uri="{FF2B5EF4-FFF2-40B4-BE49-F238E27FC236}">
+                <a16:creationId xmlns:a16="http://schemas.microsoft.com/office/drawing/2014/main" id="{12D43303-7E99-6CEA-B4AA-9241EFFB489A}"/>
+              </a:ext>
+            </a:extLst>
+          </p:cNvPr>
+          <p:cNvSpPr>
+            <a:spLocks noGrp="1"/>
+          </p:cNvSpPr>
+          <p:nvPr>
+            <p:ph type="body" idx="1"/>
+          </p:nvPr>
+        </p:nvSpPr>
+        <p:spPr>
+          <a:xfrm>
+            <a:off x="1028699" y="1738647"/>
+            <a:ext cx="7293023" cy="2762519"/>
+          </a:xfrm>
+        </p:spPr>
+        <p:txBody>
+          <a:bodyPr vert="horz" lIns="91440" tIns="45720" rIns="91440" bIns="45720" rtlCol="0" anchor="ctr">
+            <a:normAutofit/>
+          </a:bodyPr>
+          <a:lstStyle/>
+          <a:p>
+            <a:pPr indent="-228600" defTabSz="914400">
+              <a:spcAft>
+                <a:spcPts val="600"/>
+              </a:spcAft>
+              <a:buFont typeface="Arial" panose="020B0604020202020204" pitchFamily="34" charset="0"/>
+              <a:buChar char="•"/>
+            </a:pPr>
+            <a:r>
+              <a:rPr lang="en-US" sz="1500" b="1" dirty="0">
+                <a:highlight>
+                  <a:srgbClr val="FFFF00"/>
+                </a:highlight>
+              </a:rPr>
+              <a:t>Set of criteria that automatically filter and archive new findings</a:t>
+            </a:r>
+          </a:p>
+          <a:p>
+            <a:pPr indent="-228600" defTabSz="914400">
+              <a:spcAft>
+                <a:spcPts val="600"/>
+              </a:spcAft>
+              <a:buFont typeface="Arial" panose="020B0604020202020204" pitchFamily="34" charset="0"/>
+              <a:buChar char="•"/>
+            </a:pPr>
+            <a:r>
+              <a:rPr lang="en-US" sz="1500" dirty="0"/>
+              <a:t>Example: </a:t>
+            </a:r>
+            <a:r>
+              <a:rPr lang="en-US" sz="1500" b="1" dirty="0"/>
+              <a:t>low-value findings, false-positive findings, or threats you don’t intend to act on </a:t>
+            </a:r>
+          </a:p>
+          <a:p>
+            <a:pPr indent="-228600" defTabSz="914400">
+              <a:spcAft>
+                <a:spcPts val="600"/>
+              </a:spcAft>
+              <a:buFont typeface="Arial" panose="020B0604020202020204" pitchFamily="34" charset="0"/>
+              <a:buChar char="•"/>
+            </a:pPr>
+            <a:r>
+              <a:rPr lang="en-US" sz="1500" dirty="0"/>
+              <a:t>Can suppress entire findings types or define more granular criteria (e.g., suppress only specific EC2 instances)</a:t>
+            </a:r>
+          </a:p>
+          <a:p>
+            <a:pPr indent="-228600" defTabSz="914400">
+              <a:spcAft>
+                <a:spcPts val="600"/>
+              </a:spcAft>
+              <a:buFont typeface="Arial" panose="020B0604020202020204" pitchFamily="34" charset="0"/>
+              <a:buChar char="•"/>
+            </a:pPr>
+            <a:r>
+              <a:rPr lang="en-US" sz="1500" dirty="0"/>
+              <a:t>Suppressed findings are NOT sent to Security Hub, S3, Detective, or </a:t>
+            </a:r>
+            <a:r>
+              <a:rPr lang="en-US" sz="1500" dirty="0" err="1"/>
+              <a:t>EventBridge</a:t>
+            </a:r>
+            <a:r>
+              <a:rPr lang="en-US" sz="1500" dirty="0"/>
+              <a:t> </a:t>
+            </a:r>
+          </a:p>
+          <a:p>
+            <a:pPr indent="-228600" defTabSz="914400">
+              <a:spcAft>
+                <a:spcPts val="600"/>
+              </a:spcAft>
+              <a:buFont typeface="Arial" panose="020B0604020202020204" pitchFamily="34" charset="0"/>
+              <a:buChar char="•"/>
+            </a:pPr>
+            <a:r>
+              <a:rPr lang="en-US" sz="1500" dirty="0"/>
+              <a:t>Suppressed findings can be still viewed in the Archive</a:t>
+            </a:r>
+          </a:p>
+        </p:txBody>
+      </p:sp>
+    </p:spTree>
+    <p:extLst>
+      <p:ext uri="{BB962C8B-B14F-4D97-AF65-F5344CB8AC3E}">
+        <p14:creationId xmlns:p14="http://schemas.microsoft.com/office/powerpoint/2010/main" val="174878178"/>
+      </p:ext>
+    </p:extLst>
+  </p:cSld>
+  <p:clrMapOvr>
+    <a:masterClrMapping/>
+  </p:clrMapOvr>
+</p:sld>
+</file>
+
+<file path=ppt/slides/slide12.xml><?xml version="1.0" encoding="utf-8"?>
+<p:sld xmlns:a="http://schemas.openxmlformats.org/drawingml/2006/main" xmlns:r="http://schemas.openxmlformats.org/officeDocument/2006/relationships" xmlns:p="http://schemas.openxmlformats.org/presentationml/2006/main">
+  <p:cSld>
+    <p:bg>
+      <p:bgPr>
+        <a:solidFill>
+          <a:schemeClr val="bg1"/>
+        </a:solidFill>
+        <a:effectLst/>
+      </p:bgPr>
+    </p:bg>
+    <p:spTree>
+      <p:nvGrpSpPr>
+        <p:cNvPr id="1" name=""/>
+        <p:cNvGrpSpPr/>
+        <p:nvPr/>
+      </p:nvGrpSpPr>
+      <p:grpSpPr>
+        <a:xfrm>
+          <a:off x="0" y="0"/>
+          <a:ext cx="0" cy="0"/>
+          <a:chOff x="0" y="0"/>
+          <a:chExt cx="0" cy="0"/>
+        </a:xfrm>
+      </p:grpSpPr>
+      <p:sp>
+        <p:nvSpPr>
+          <p:cNvPr id="9" name="Down Arrow 7">
+            <a:extLst>
+              <a:ext uri="{FF2B5EF4-FFF2-40B4-BE49-F238E27FC236}">
+                <a16:creationId xmlns:a16="http://schemas.microsoft.com/office/drawing/2014/main" id="{D4771268-CB57-404A-9271-370EB28F6090}"/>
+              </a:ext>
+              <a:ext uri="{C183D7F6-B498-43B3-948B-1728B52AA6E4}">
+                <adec:decorative xmlns:adec="http://schemas.microsoft.com/office/drawing/2017/decorative" val="1"/>
+              </a:ext>
+            </a:extLst>
+          </p:cNvPr>
+          <p:cNvSpPr>
+            <a:spLocks noGrp="1" noRot="1" noChangeAspect="1" noMove="1" noResize="1" noEditPoints="1" noAdjustHandles="1" noChangeArrowheads="1" noChangeShapeType="1" noTextEdit="1"/>
+          </p:cNvSpPr>
+          <p:nvPr>
+            <p:extLst>
+              <p:ext uri="{386F3935-93C4-4BCD-93E2-E3B085C9AB24}">
+                <p16:designElem xmlns:p16="http://schemas.microsoft.com/office/powerpoint/2015/main" val="1"/>
+              </p:ext>
+            </p:extLst>
+          </p:nvPr>
+        </p:nvSpPr>
+        <p:spPr>
+          <a:xfrm rot="16200000">
+            <a:off x="600075" y="1118507"/>
+            <a:ext cx="2500312" cy="2624327"/>
+          </a:xfrm>
+          <a:prstGeom prst="downArrow">
+            <a:avLst>
+              <a:gd name="adj1" fmla="val 100000"/>
+              <a:gd name="adj2" fmla="val 15788"/>
+            </a:avLst>
+          </a:prstGeom>
+          <a:solidFill>
+            <a:srgbClr val="404040"/>
+          </a:solidFill>
+          <a:ln w="53975">
+            <a:noFill/>
+          </a:ln>
+        </p:spPr>
+        <p:style>
+          <a:lnRef idx="2">
+            <a:schemeClr val="accent1">
+              <a:shade val="50000"/>
+            </a:schemeClr>
+          </a:lnRef>
+          <a:fillRef idx="1">
+            <a:schemeClr val="accent1"/>
+          </a:fillRef>
+          <a:effectRef idx="0">
+            <a:schemeClr val="accent1"/>
+          </a:effectRef>
+          <a:fontRef idx="minor">
+            <a:schemeClr val="lt1"/>
+          </a:fontRef>
+        </p:style>
+        <p:txBody>
+          <a:bodyPr rtlCol="0" anchor="ctr"/>
+          <a:lstStyle/>
+          <a:p>
+            <a:pPr algn="ctr"/>
+            <a:endParaRPr lang="en-US"/>
+          </a:p>
+        </p:txBody>
+      </p:sp>
+      <p:sp>
+        <p:nvSpPr>
+          <p:cNvPr id="2" name="Title 1">
+            <a:extLst>
+              <a:ext uri="{FF2B5EF4-FFF2-40B4-BE49-F238E27FC236}">
+                <a16:creationId xmlns:a16="http://schemas.microsoft.com/office/drawing/2014/main" id="{FB8F9EEC-B01E-3B61-9841-1B6F39492CD1}"/>
+              </a:ext>
+            </a:extLst>
+          </p:cNvPr>
+          <p:cNvSpPr>
+            <a:spLocks noGrp="1"/>
+          </p:cNvSpPr>
+          <p:nvPr>
+            <p:ph type="title"/>
+          </p:nvPr>
+        </p:nvSpPr>
+        <p:spPr>
+          <a:xfrm>
+            <a:off x="771525" y="1475449"/>
+            <a:ext cx="1971675" cy="1910443"/>
+          </a:xfrm>
+          <a:noFill/>
+        </p:spPr>
+        <p:txBody>
+          <a:bodyPr vert="horz" lIns="91440" tIns="45720" rIns="91440" bIns="45720" rtlCol="0" anchor="ctr">
+            <a:normAutofit/>
+          </a:bodyPr>
+          <a:lstStyle/>
+          <a:p>
+            <a:pPr algn="ctr" defTabSz="914400">
+              <a:spcBef>
+                <a:spcPct val="0"/>
+              </a:spcBef>
+            </a:pPr>
+            <a:r>
+              <a:rPr lang="en-US" sz="2700" kern="1200" dirty="0">
+                <a:solidFill>
+                  <a:srgbClr val="FFFFFF"/>
+                </a:solidFill>
+                <a:latin typeface="+mj-lt"/>
+                <a:ea typeface="+mj-ea"/>
+                <a:cs typeface="+mj-cs"/>
+              </a:rPr>
+              <a:t>Amazon </a:t>
+            </a:r>
+            <a:r>
+              <a:rPr lang="en-US" sz="2700" kern="1200" dirty="0" err="1">
+                <a:solidFill>
+                  <a:srgbClr val="FFFFFF"/>
+                </a:solidFill>
+                <a:latin typeface="+mj-lt"/>
+                <a:ea typeface="+mj-ea"/>
+                <a:cs typeface="+mj-cs"/>
+              </a:rPr>
+              <a:t>GuardDuty</a:t>
+            </a:r>
+            <a:br>
+              <a:rPr lang="en-US" sz="2700" kern="1200" dirty="0">
+                <a:solidFill>
+                  <a:srgbClr val="FFFFFF"/>
+                </a:solidFill>
+                <a:latin typeface="+mj-lt"/>
+                <a:ea typeface="+mj-ea"/>
+                <a:cs typeface="+mj-cs"/>
+              </a:rPr>
+            </a:br>
+            <a:r>
+              <a:rPr lang="en-US" sz="2700" kern="1200" dirty="0">
+                <a:solidFill>
+                  <a:srgbClr val="FFFFFF"/>
+                </a:solidFill>
+                <a:latin typeface="+mj-lt"/>
+                <a:ea typeface="+mj-ea"/>
+                <a:cs typeface="+mj-cs"/>
+              </a:rPr>
+              <a:t>Brute Force</a:t>
+            </a:r>
+          </a:p>
+        </p:txBody>
+      </p:sp>
+      <p:pic>
+        <p:nvPicPr>
+          <p:cNvPr id="4" name="Picture 3" descr="A diagram of a computer network&#10;&#10;Description automatically generated">
+            <a:extLst>
+              <a:ext uri="{FF2B5EF4-FFF2-40B4-BE49-F238E27FC236}">
+                <a16:creationId xmlns:a16="http://schemas.microsoft.com/office/drawing/2014/main" id="{70AF7C2D-B78C-CF7F-6F46-4D08F6965F93}"/>
+              </a:ext>
+            </a:extLst>
+          </p:cNvPr>
+          <p:cNvPicPr>
+            <a:picLocks noChangeAspect="1"/>
+          </p:cNvPicPr>
+          <p:nvPr/>
+        </p:nvPicPr>
+        <p:blipFill>
+          <a:blip r:embed="rId2"/>
+          <a:stretch>
+            <a:fillRect/>
+          </a:stretch>
+        </p:blipFill>
+        <p:spPr>
+          <a:xfrm>
+            <a:off x="3582987" y="1369421"/>
+            <a:ext cx="5085525" cy="2402910"/>
+          </a:xfrm>
+          <a:prstGeom prst="rect">
+            <a:avLst/>
+          </a:prstGeom>
+        </p:spPr>
+      </p:pic>
+    </p:spTree>
+    <p:extLst>
+      <p:ext uri="{BB962C8B-B14F-4D97-AF65-F5344CB8AC3E}">
+        <p14:creationId xmlns:p14="http://schemas.microsoft.com/office/powerpoint/2010/main" val="2095311738"/>
+      </p:ext>
+    </p:extLst>
+  </p:cSld>
+  <p:clrMapOvr>
+    <a:masterClrMapping/>
+  </p:clrMapOvr>
+</p:sld>
+</file>
+
+<file path=ppt/slides/slide13.xml><?xml version="1.0" encoding="utf-8"?>
+<p:sld xmlns:a="http://schemas.openxmlformats.org/drawingml/2006/main" xmlns:r="http://schemas.openxmlformats.org/officeDocument/2006/relationships" xmlns:p="http://schemas.openxmlformats.org/presentationml/2006/main">
+  <p:cSld>
+    <p:bg>
+      <p:bgPr>
+        <a:solidFill>
+          <a:schemeClr val="bg1"/>
+        </a:solidFill>
+        <a:effectLst/>
+      </p:bgPr>
+    </p:bg>
+    <p:spTree>
+      <p:nvGrpSpPr>
+        <p:cNvPr id="1" name=""/>
+        <p:cNvGrpSpPr/>
+        <p:nvPr/>
+      </p:nvGrpSpPr>
+      <p:grpSpPr>
+        <a:xfrm>
+          <a:off x="0" y="0"/>
+          <a:ext cx="0" cy="0"/>
+          <a:chOff x="0" y="0"/>
+          <a:chExt cx="0" cy="0"/>
+        </a:xfrm>
+      </p:grpSpPr>
+      <p:sp useBgFill="1">
+        <p:nvSpPr>
+          <p:cNvPr id="4110" name="Rectangle 4109">
+            <a:extLst>
+              <a:ext uri="{FF2B5EF4-FFF2-40B4-BE49-F238E27FC236}">
+                <a16:creationId xmlns:a16="http://schemas.microsoft.com/office/drawing/2014/main" id="{A8384FB5-9ADC-4DDC-881B-597D56F5B15D}"/>
+              </a:ext>
+              <a:ext uri="{C183D7F6-B498-43B3-948B-1728B52AA6E4}">
+                <adec:decorative xmlns:adec="http://schemas.microsoft.com/office/drawing/2017/decorative" val="1"/>
+              </a:ext>
+            </a:extLst>
+          </p:cNvPr>
+          <p:cNvSpPr>
+            <a:spLocks noGrp="1" noRot="1" noChangeAspect="1" noMove="1" noResize="1" noEditPoints="1" noAdjustHandles="1" noChangeArrowheads="1" noChangeShapeType="1" noTextEdit="1"/>
+          </p:cNvSpPr>
+          <p:nvPr>
+            <p:extLst>
+              <p:ext uri="{386F3935-93C4-4BCD-93E2-E3B085C9AB24}">
+                <p16:designElem xmlns:p16="http://schemas.microsoft.com/office/powerpoint/2015/main" val="1"/>
+              </p:ext>
+            </p:extLst>
+          </p:nvPr>
+        </p:nvSpPr>
+        <p:spPr>
+          <a:xfrm>
+            <a:off x="0" y="0"/>
+            <a:ext cx="9144000" cy="5143500"/>
+          </a:xfrm>
+          <a:prstGeom prst="rect">
+            <a:avLst/>
+          </a:prstGeom>
+          <a:ln w="12700" cap="flat" cmpd="sng" algn="ctr">
+            <a:noFill/>
+            <a:prstDash val="solid"/>
+            <a:miter lim="800000"/>
+          </a:ln>
+          <a:effectLst/>
+          <a:extLst>
+            <a:ext uri="{91240B29-F687-4F45-9708-019B960494DF}">
+              <a14:hiddenLine xmlns:a14="http://schemas.microsoft.com/office/drawing/2010/main" w="12700" cap="flat" cmpd="sng" algn="ctr">
+                <a:solidFill>
+                  <a:schemeClr val="accent1">
+                    <a:shade val="50000"/>
+                  </a:schemeClr>
+                </a:solidFill>
+                <a:prstDash val="solid"/>
+                <a:miter lim="800000"/>
+              </a14:hiddenLine>
+            </a:ext>
+          </a:extLst>
+        </p:spPr>
+        <p:style>
+          <a:lnRef idx="2">
+            <a:schemeClr val="accent1">
+              <a:shade val="50000"/>
+            </a:schemeClr>
+          </a:lnRef>
+          <a:fillRef idx="1">
+            <a:schemeClr val="accent1"/>
+          </a:fillRef>
+          <a:effectRef idx="0">
+            <a:schemeClr val="accent1"/>
+          </a:effectRef>
+          <a:fontRef idx="minor">
+            <a:schemeClr val="lt1"/>
+          </a:fontRef>
+        </p:style>
+        <p:txBody>
+          <a:bodyPr rtlCol="0" anchor="ctr"/>
+          <a:lstStyle/>
+          <a:p>
+            <a:pPr algn="ctr"/>
+            <a:endParaRPr lang="en-US"/>
+          </a:p>
+        </p:txBody>
+      </p:sp>
+      <p:sp>
+        <p:nvSpPr>
+          <p:cNvPr id="4112" name="Rectangle 4111">
+            <a:extLst>
+              <a:ext uri="{FF2B5EF4-FFF2-40B4-BE49-F238E27FC236}">
+                <a16:creationId xmlns:a16="http://schemas.microsoft.com/office/drawing/2014/main" id="{1199E1B1-A8C0-4FE8-A5A8-1CB41D69F857}"/>
+              </a:ext>
+              <a:ext uri="{C183D7F6-B498-43B3-948B-1728B52AA6E4}">
+                <adec:decorative xmlns:adec="http://schemas.microsoft.com/office/drawing/2017/decorative" val="1"/>
+              </a:ext>
+            </a:extLst>
+          </p:cNvPr>
+          <p:cNvSpPr>
+            <a:spLocks noGrp="1" noRot="1" noChangeAspect="1" noMove="1" noResize="1" noEditPoints="1" noAdjustHandles="1" noChangeArrowheads="1" noChangeShapeType="1" noTextEdit="1"/>
+          </p:cNvSpPr>
+          <p:nvPr>
+            <p:extLst>
+              <p:ext uri="{386F3935-93C4-4BCD-93E2-E3B085C9AB24}">
+                <p16:designElem xmlns:p16="http://schemas.microsoft.com/office/powerpoint/2015/main" val="1"/>
+              </p:ext>
+            </p:extLst>
+          </p:nvPr>
+        </p:nvSpPr>
+        <p:spPr>
+          <a:xfrm rot="10800000" flipH="1">
+            <a:off x="1" y="0"/>
+            <a:ext cx="9143999" cy="1181966"/>
+          </a:xfrm>
+          <a:prstGeom prst="rect">
+            <a:avLst/>
+          </a:prstGeom>
+          <a:gradFill>
+            <a:gsLst>
+              <a:gs pos="0">
+                <a:srgbClr val="000000">
+                  <a:alpha val="96000"/>
+                </a:srgbClr>
+              </a:gs>
+              <a:gs pos="100000">
+                <a:schemeClr val="accent1">
+                  <a:lumMod val="75000"/>
+                </a:schemeClr>
+              </a:gs>
+            </a:gsLst>
+            <a:lin ang="6000000" scaled="0"/>
+          </a:gradFill>
+          <a:ln>
+            <a:noFill/>
+          </a:ln>
+        </p:spPr>
+        <p:style>
+          <a:lnRef idx="2">
+            <a:schemeClr val="accent1">
+              <a:shade val="50000"/>
+            </a:schemeClr>
+          </a:lnRef>
+          <a:fillRef idx="1">
+            <a:schemeClr val="accent1"/>
+          </a:fillRef>
+          <a:effectRef idx="0">
+            <a:schemeClr val="accent1"/>
+          </a:effectRef>
+          <a:fontRef idx="minor">
+            <a:schemeClr val="lt1"/>
+          </a:fontRef>
+        </p:style>
+        <p:txBody>
+          <a:bodyPr rtlCol="0" anchor="ctr"/>
+          <a:lstStyle/>
+          <a:p>
+            <a:pPr algn="ctr"/>
+            <a:endParaRPr lang="en-US"/>
+          </a:p>
+        </p:txBody>
+      </p:sp>
+      <p:sp>
+        <p:nvSpPr>
+          <p:cNvPr id="4114" name="Rectangle 4113">
+            <a:extLst>
+              <a:ext uri="{FF2B5EF4-FFF2-40B4-BE49-F238E27FC236}">
+                <a16:creationId xmlns:a16="http://schemas.microsoft.com/office/drawing/2014/main" id="{84A8DE83-DE75-4B41-9DB4-A7EC0B0DEC0B}"/>
+              </a:ext>
+              <a:ext uri="{C183D7F6-B498-43B3-948B-1728B52AA6E4}">
+                <adec:decorative xmlns:adec="http://schemas.microsoft.com/office/drawing/2017/decorative" val="1"/>
+              </a:ext>
+            </a:extLst>
+          </p:cNvPr>
+          <p:cNvSpPr>
+            <a:spLocks noGrp="1" noRot="1" noChangeAspect="1" noMove="1" noResize="1" noEditPoints="1" noAdjustHandles="1" noChangeArrowheads="1" noChangeShapeType="1" noTextEdit="1"/>
+          </p:cNvSpPr>
+          <p:nvPr>
+            <p:extLst>
+              <p:ext uri="{386F3935-93C4-4BCD-93E2-E3B085C9AB24}">
+                <p16:designElem xmlns:p16="http://schemas.microsoft.com/office/powerpoint/2015/main" val="1"/>
+              </p:ext>
+            </p:extLst>
+          </p:nvPr>
+        </p:nvSpPr>
+        <p:spPr>
+          <a:xfrm>
+            <a:off x="0" y="0"/>
+            <a:ext cx="6096642" cy="1181595"/>
+          </a:xfrm>
+          <a:prstGeom prst="rect">
+            <a:avLst/>
+          </a:prstGeom>
+          <a:gradFill>
+            <a:gsLst>
+              <a:gs pos="0">
+                <a:schemeClr val="accent1">
+                  <a:alpha val="41000"/>
+                </a:schemeClr>
+              </a:gs>
+              <a:gs pos="74000">
+                <a:schemeClr val="accent1">
+                  <a:lumMod val="60000"/>
+                  <a:lumOff val="40000"/>
+                  <a:alpha val="0"/>
+                </a:schemeClr>
+              </a:gs>
+            </a:gsLst>
+            <a:lin ang="8400000" scaled="0"/>
+          </a:gradFill>
+          <a:ln>
+            <a:noFill/>
+          </a:ln>
+        </p:spPr>
+        <p:style>
+          <a:lnRef idx="2">
+            <a:schemeClr val="accent1">
+              <a:shade val="50000"/>
+            </a:schemeClr>
+          </a:lnRef>
+          <a:fillRef idx="1">
+            <a:schemeClr val="accent1"/>
+          </a:fillRef>
+          <a:effectRef idx="0">
+            <a:schemeClr val="accent1"/>
+          </a:effectRef>
+          <a:fontRef idx="minor">
+            <a:schemeClr val="lt1"/>
+          </a:fontRef>
+        </p:style>
+        <p:txBody>
+          <a:bodyPr rtlCol="0" anchor="ctr"/>
+          <a:lstStyle/>
+          <a:p>
+            <a:pPr algn="ctr"/>
+            <a:endParaRPr lang="en-US"/>
+          </a:p>
+        </p:txBody>
+      </p:sp>
+      <p:sp>
+        <p:nvSpPr>
+          <p:cNvPr id="4116" name="Rectangle 4115">
+            <a:extLst>
+              <a:ext uri="{FF2B5EF4-FFF2-40B4-BE49-F238E27FC236}">
+                <a16:creationId xmlns:a16="http://schemas.microsoft.com/office/drawing/2014/main" id="{A7009A0A-BEF5-4EAC-AF15-E4F9F002E239}"/>
+              </a:ext>
+              <a:ext uri="{C183D7F6-B498-43B3-948B-1728B52AA6E4}">
+                <adec:decorative xmlns:adec="http://schemas.microsoft.com/office/drawing/2017/decorative" val="1"/>
+              </a:ext>
+            </a:extLst>
+          </p:cNvPr>
+          <p:cNvSpPr>
+            <a:spLocks noGrp="1" noRot="1" noChangeAspect="1" noMove="1" noResize="1" noEditPoints="1" noAdjustHandles="1" noChangeArrowheads="1" noChangeShapeType="1" noTextEdit="1"/>
+          </p:cNvSpPr>
+          <p:nvPr>
+            <p:extLst>
+              <p:ext uri="{386F3935-93C4-4BCD-93E2-E3B085C9AB24}">
+                <p16:designElem xmlns:p16="http://schemas.microsoft.com/office/powerpoint/2015/main" val="1"/>
+              </p:ext>
+            </p:extLst>
+          </p:nvPr>
+        </p:nvSpPr>
+        <p:spPr>
+          <a:xfrm flipH="1">
+            <a:off x="-2" y="0"/>
+            <a:ext cx="9144001" cy="1180732"/>
+          </a:xfrm>
+          <a:prstGeom prst="rect">
+            <a:avLst/>
+          </a:prstGeom>
+          <a:gradFill>
+            <a:gsLst>
+              <a:gs pos="0">
+                <a:srgbClr val="000000">
+                  <a:alpha val="63000"/>
+                </a:srgbClr>
+              </a:gs>
+              <a:gs pos="78000">
+                <a:schemeClr val="accent1">
+                  <a:alpha val="15000"/>
+                </a:schemeClr>
+              </a:gs>
+            </a:gsLst>
+            <a:lin ang="15600000" scaled="0"/>
+          </a:gradFill>
+          <a:ln>
+            <a:noFill/>
+          </a:ln>
+        </p:spPr>
+        <p:style>
+          <a:lnRef idx="2">
+            <a:schemeClr val="accent1">
+              <a:shade val="50000"/>
+            </a:schemeClr>
+          </a:lnRef>
+          <a:fillRef idx="1">
+            <a:schemeClr val="accent1"/>
+          </a:fillRef>
+          <a:effectRef idx="0">
+            <a:schemeClr val="accent1"/>
+          </a:effectRef>
+          <a:fontRef idx="minor">
+            <a:schemeClr val="lt1"/>
+          </a:fontRef>
+        </p:style>
+        <p:txBody>
+          <a:bodyPr rtlCol="0" anchor="ctr"/>
+          <a:lstStyle/>
+          <a:p>
+            <a:pPr algn="ctr"/>
+            <a:endParaRPr lang="en-US"/>
+          </a:p>
+        </p:txBody>
+      </p:sp>
+      <p:sp>
+        <p:nvSpPr>
+          <p:cNvPr id="2" name="Title 1">
+            <a:extLst>
+              <a:ext uri="{FF2B5EF4-FFF2-40B4-BE49-F238E27FC236}">
+                <a16:creationId xmlns:a16="http://schemas.microsoft.com/office/drawing/2014/main" id="{F190D2E4-2C2C-7AC3-BC12-B3B210158D5F}"/>
+              </a:ext>
+            </a:extLst>
+          </p:cNvPr>
+          <p:cNvSpPr>
+            <a:spLocks noGrp="1"/>
+          </p:cNvSpPr>
+          <p:nvPr>
+            <p:ph type="title"/>
+          </p:nvPr>
+        </p:nvSpPr>
+        <p:spPr>
+          <a:xfrm>
+            <a:off x="524784" y="186028"/>
+            <a:ext cx="5297791" cy="869400"/>
+          </a:xfrm>
+        </p:spPr>
+        <p:txBody>
+          <a:bodyPr vert="horz" lIns="91440" tIns="45720" rIns="91440" bIns="45720" rtlCol="0" anchor="ctr">
+            <a:normAutofit/>
+          </a:bodyPr>
+          <a:lstStyle/>
+          <a:p>
+            <a:pPr defTabSz="914400">
+              <a:spcBef>
+                <a:spcPct val="0"/>
+              </a:spcBef>
+            </a:pPr>
+            <a:r>
+              <a:rPr lang="en-US" sz="3000" kern="1200" dirty="0">
+                <a:solidFill>
+                  <a:srgbClr val="FFFFFF"/>
+                </a:solidFill>
+                <a:latin typeface="+mj-lt"/>
+                <a:ea typeface="+mj-ea"/>
+                <a:cs typeface="+mj-cs"/>
+              </a:rPr>
+              <a:t>VW Group </a:t>
+            </a:r>
+            <a:r>
+              <a:rPr lang="en-US" sz="3000" kern="1200" dirty="0" err="1">
+                <a:solidFill>
+                  <a:srgbClr val="FFFFFF"/>
+                </a:solidFill>
+                <a:latin typeface="+mj-lt"/>
+                <a:ea typeface="+mj-ea"/>
+                <a:cs typeface="+mj-cs"/>
+              </a:rPr>
+              <a:t>GuardDuty</a:t>
+            </a:r>
+            <a:r>
+              <a:rPr lang="en-US" sz="3000" kern="1200" dirty="0">
+                <a:solidFill>
+                  <a:srgbClr val="FFFFFF"/>
+                </a:solidFill>
+                <a:latin typeface="+mj-lt"/>
+                <a:ea typeface="+mj-ea"/>
+                <a:cs typeface="+mj-cs"/>
+              </a:rPr>
+              <a:t> </a:t>
+            </a:r>
+            <a:r>
+              <a:rPr lang="en-US" sz="3000" kern="1200" dirty="0" err="1">
+                <a:solidFill>
+                  <a:srgbClr val="FFFFFF"/>
+                </a:solidFill>
+                <a:latin typeface="+mj-lt"/>
+                <a:ea typeface="+mj-ea"/>
+                <a:cs typeface="+mj-cs"/>
+              </a:rPr>
+              <a:t>usecase</a:t>
+            </a:r>
+            <a:endParaRPr lang="en-US" sz="3000" kern="1200" dirty="0">
+              <a:solidFill>
+                <a:srgbClr val="FFFFFF"/>
+              </a:solidFill>
+              <a:latin typeface="+mj-lt"/>
+              <a:ea typeface="+mj-ea"/>
+              <a:cs typeface="+mj-cs"/>
+            </a:endParaRPr>
+          </a:p>
+        </p:txBody>
+      </p:sp>
+      <p:pic>
+        <p:nvPicPr>
+          <p:cNvPr id="4" name="Picture 3">
+            <a:extLst>
+              <a:ext uri="{FF2B5EF4-FFF2-40B4-BE49-F238E27FC236}">
+                <a16:creationId xmlns:a16="http://schemas.microsoft.com/office/drawing/2014/main" id="{3308F1D4-E170-D10A-9E84-1C030071F458}"/>
+              </a:ext>
+            </a:extLst>
+          </p:cNvPr>
+          <p:cNvPicPr>
+            <a:picLocks noChangeAspect="1"/>
+          </p:cNvPicPr>
+          <p:nvPr/>
+        </p:nvPicPr>
+        <p:blipFill>
+          <a:blip r:embed="rId2"/>
+          <a:stretch>
+            <a:fillRect/>
+          </a:stretch>
+        </p:blipFill>
+        <p:spPr>
+          <a:xfrm>
+            <a:off x="1366431" y="1241456"/>
+            <a:ext cx="6411138" cy="3829798"/>
+          </a:xfrm>
+          <a:prstGeom prst="rect">
+            <a:avLst/>
+          </a:prstGeom>
+        </p:spPr>
+      </p:pic>
+    </p:spTree>
+    <p:extLst>
+      <p:ext uri="{BB962C8B-B14F-4D97-AF65-F5344CB8AC3E}">
+        <p14:creationId xmlns:p14="http://schemas.microsoft.com/office/powerpoint/2010/main" val="937222685"/>
+      </p:ext>
+    </p:extLst>
+  </p:cSld>
+  <p:clrMapOvr>
+    <a:masterClrMapping/>
+  </p:clrMapOvr>
+</p:sld>
+</file>
+
+<file path=ppt/slides/slide2.xml><?xml version="1.0" encoding="utf-8"?>
+<p:sld xmlns:a="http://schemas.openxmlformats.org/drawingml/2006/main" xmlns:r="http://schemas.openxmlformats.org/officeDocument/2006/relationships" xmlns:p="http://schemas.openxmlformats.org/presentationml/2006/main">
+  <p:cSld>
     <p:spTree>
       <p:nvGrpSpPr>
         <p:cNvPr id="1" name=""/>
@@ -13613,7 +16632,588 @@
 </p:sld>
 </file>
 
-<file path=ppt/slides/slide2.xml><?xml version="1.0" encoding="utf-8"?>
+<file path=ppt/slides/slide3.xml><?xml version="1.0" encoding="utf-8"?>
+<p:sld xmlns:a="http://schemas.openxmlformats.org/drawingml/2006/main" xmlns:r="http://schemas.openxmlformats.org/officeDocument/2006/relationships" xmlns:p="http://schemas.openxmlformats.org/presentationml/2006/main">
+  <p:cSld>
+    <p:bg>
+      <p:bgPr>
+        <a:solidFill>
+          <a:schemeClr val="bg1"/>
+        </a:solidFill>
+        <a:effectLst/>
+      </p:bgPr>
+    </p:bg>
+    <p:spTree>
+      <p:nvGrpSpPr>
+        <p:cNvPr id="1" name=""/>
+        <p:cNvGrpSpPr/>
+        <p:nvPr/>
+      </p:nvGrpSpPr>
+      <p:grpSpPr>
+        <a:xfrm>
+          <a:off x="0" y="0"/>
+          <a:ext cx="0" cy="0"/>
+          <a:chOff x="0" y="0"/>
+          <a:chExt cx="0" cy="0"/>
+        </a:xfrm>
+      </p:grpSpPr>
+      <p:sp useBgFill="1">
+        <p:nvSpPr>
+          <p:cNvPr id="8" name="Rectangle 7">
+            <a:extLst>
+              <a:ext uri="{FF2B5EF4-FFF2-40B4-BE49-F238E27FC236}">
+                <a16:creationId xmlns:a16="http://schemas.microsoft.com/office/drawing/2014/main" id="{979E27D9-03C7-44E2-9FF8-15D0C8506AF7}"/>
+              </a:ext>
+              <a:ext uri="{C183D7F6-B498-43B3-948B-1728B52AA6E4}">
+                <adec:decorative xmlns:adec="http://schemas.microsoft.com/office/drawing/2017/decorative" val="1"/>
+              </a:ext>
+            </a:extLst>
+          </p:cNvPr>
+          <p:cNvSpPr>
+            <a:spLocks noGrp="1" noRot="1" noChangeAspect="1" noMove="1" noResize="1" noEditPoints="1" noAdjustHandles="1" noChangeArrowheads="1" noChangeShapeType="1" noTextEdit="1"/>
+          </p:cNvSpPr>
+          <p:nvPr>
+            <p:extLst>
+              <p:ext uri="{386F3935-93C4-4BCD-93E2-E3B085C9AB24}">
+                <p16:designElem xmlns:p16="http://schemas.microsoft.com/office/powerpoint/2015/main" val="1"/>
+              </p:ext>
+            </p:extLst>
+          </p:nvPr>
+        </p:nvSpPr>
+        <p:spPr>
+          <a:xfrm>
+            <a:off x="0" y="0"/>
+            <a:ext cx="9144000" cy="5143500"/>
+          </a:xfrm>
+          <a:prstGeom prst="rect">
+            <a:avLst/>
+          </a:prstGeom>
+          <a:ln w="12700" cap="flat" cmpd="sng" algn="ctr">
+            <a:noFill/>
+            <a:prstDash val="solid"/>
+            <a:miter lim="800000"/>
+          </a:ln>
+          <a:effectLst/>
+          <a:extLst>
+            <a:ext uri="{91240B29-F687-4F45-9708-019B960494DF}">
+              <a14:hiddenLine xmlns:a14="http://schemas.microsoft.com/office/drawing/2010/main" w="12700" cap="flat" cmpd="sng" algn="ctr">
+                <a:solidFill>
+                  <a:schemeClr val="accent1">
+                    <a:shade val="50000"/>
+                  </a:schemeClr>
+                </a:solidFill>
+                <a:prstDash val="solid"/>
+                <a:miter lim="800000"/>
+              </a14:hiddenLine>
+            </a:ext>
+          </a:extLst>
+        </p:spPr>
+        <p:style>
+          <a:lnRef idx="2">
+            <a:schemeClr val="accent1">
+              <a:shade val="50000"/>
+            </a:schemeClr>
+          </a:lnRef>
+          <a:fillRef idx="1">
+            <a:schemeClr val="accent1"/>
+          </a:fillRef>
+          <a:effectRef idx="0">
+            <a:schemeClr val="accent1"/>
+          </a:effectRef>
+          <a:fontRef idx="minor">
+            <a:schemeClr val="lt1"/>
+          </a:fontRef>
+        </p:style>
+        <p:txBody>
+          <a:bodyPr rtlCol="0" anchor="ctr"/>
+          <a:lstStyle/>
+          <a:p>
+            <a:pPr algn="ctr"/>
+            <a:endParaRPr lang="en-US"/>
+          </a:p>
+        </p:txBody>
+      </p:sp>
+      <p:sp>
+        <p:nvSpPr>
+          <p:cNvPr id="2" name="Title 1">
+            <a:extLst>
+              <a:ext uri="{FF2B5EF4-FFF2-40B4-BE49-F238E27FC236}">
+                <a16:creationId xmlns:a16="http://schemas.microsoft.com/office/drawing/2014/main" id="{1B49F4DA-7409-34B2-F5C7-8129FEE7173B}"/>
+              </a:ext>
+            </a:extLst>
+          </p:cNvPr>
+          <p:cNvSpPr>
+            <a:spLocks noGrp="1"/>
+          </p:cNvSpPr>
+          <p:nvPr>
+            <p:ph type="title"/>
+          </p:nvPr>
+        </p:nvSpPr>
+        <p:spPr>
+          <a:xfrm>
+            <a:off x="492617" y="721624"/>
+            <a:ext cx="2327856" cy="3316407"/>
+          </a:xfrm>
+        </p:spPr>
+        <p:txBody>
+          <a:bodyPr anchor="t">
+            <a:normAutofit/>
+          </a:bodyPr>
+          <a:lstStyle/>
+          <a:p>
+            <a:pPr algn="r"/>
+            <a:r>
+              <a:rPr lang="en-CH" sz="3000"/>
+              <a:t>Amazon GuardDuty – Multi Account Strategy</a:t>
+            </a:r>
+          </a:p>
+        </p:txBody>
+      </p:sp>
+      <p:sp>
+        <p:nvSpPr>
+          <p:cNvPr id="3" name="Content Placeholder 2">
+            <a:extLst>
+              <a:ext uri="{FF2B5EF4-FFF2-40B4-BE49-F238E27FC236}">
+                <a16:creationId xmlns:a16="http://schemas.microsoft.com/office/drawing/2014/main" id="{D5F59686-9DDF-BBD2-0D77-FC45289D569A}"/>
+              </a:ext>
+            </a:extLst>
+          </p:cNvPr>
+          <p:cNvSpPr>
+            <a:spLocks noGrp="1"/>
+          </p:cNvSpPr>
+          <p:nvPr>
+            <p:ph idx="1"/>
+          </p:nvPr>
+        </p:nvSpPr>
+        <p:spPr>
+          <a:xfrm>
+            <a:off x="3066696" y="721625"/>
+            <a:ext cx="5143585" cy="3557380"/>
+          </a:xfrm>
+        </p:spPr>
+        <p:txBody>
+          <a:bodyPr anchor="t">
+            <a:normAutofit/>
+          </a:bodyPr>
+          <a:lstStyle/>
+          <a:p>
+            <a:r>
+              <a:rPr lang="en-GB" sz="1400" b="0" i="0">
+                <a:effectLst/>
+              </a:rPr>
+              <a:t>GuardDuty allows for the administration of several accounts by linking member accounts to a primary admin account. </a:t>
+            </a:r>
+          </a:p>
+          <a:p>
+            <a:r>
+              <a:rPr lang="en-GB" sz="1400" b="0" i="0">
+                <a:effectLst/>
+              </a:rPr>
+              <a:t>This can be achieved within the scope of an AWS Organization or by extending invitations directly via the GuardDuty console. </a:t>
+            </a:r>
+          </a:p>
+          <a:p>
+            <a:r>
+              <a:rPr lang="en-GB" sz="1400" b="0" i="0">
+                <a:effectLst/>
+              </a:rPr>
+              <a:t>The responsibilities of the admin account include:</a:t>
+            </a:r>
+          </a:p>
+          <a:p>
+            <a:pPr lvl="1"/>
+            <a:r>
+              <a:rPr lang="en-GB" sz="1400" b="0" i="0">
+                <a:effectLst/>
+              </a:rPr>
+              <a:t>Onboarding and offboarding member accounts.</a:t>
+            </a:r>
+          </a:p>
+          <a:p>
+            <a:pPr lvl="1"/>
+            <a:r>
+              <a:rPr lang="en-GB" sz="1400" b="0" i="0">
+                <a:effectLst/>
+              </a:rPr>
+              <a:t>Overseeing the GuardDuty settings across these member accounts.</a:t>
+            </a:r>
+          </a:p>
+          <a:p>
+            <a:pPr lvl="1"/>
+            <a:r>
+              <a:rPr lang="en-GB" sz="1400" b="0" i="0">
+                <a:effectLst/>
+              </a:rPr>
+              <a:t>Handling detections, configuring suppression rules, and updating lists of trusted IPs and potential threats.</a:t>
+            </a:r>
+          </a:p>
+          <a:p>
+            <a:r>
+              <a:rPr lang="en-GB" sz="1400" b="0" i="0">
+                <a:effectLst/>
+              </a:rPr>
+              <a:t>Within an AWS Organization, it's possible to designate one of the member accounts as the chosen administrator for GuardDuty, enabling centralized management of security findings. (Delegated Administrator)</a:t>
+            </a:r>
+          </a:p>
+          <a:p>
+            <a:endParaRPr lang="en-CH" sz="1400"/>
+          </a:p>
+        </p:txBody>
+      </p:sp>
+      <p:sp>
+        <p:nvSpPr>
+          <p:cNvPr id="10" name="Rectangle 9">
+            <a:extLst>
+              <a:ext uri="{FF2B5EF4-FFF2-40B4-BE49-F238E27FC236}">
+                <a16:creationId xmlns:a16="http://schemas.microsoft.com/office/drawing/2014/main" id="{EEBF1590-3B36-48EE-A89D-3B6F3CB256AB}"/>
+              </a:ext>
+              <a:ext uri="{C183D7F6-B498-43B3-948B-1728B52AA6E4}">
+                <adec:decorative xmlns:adec="http://schemas.microsoft.com/office/drawing/2017/decorative" val="1"/>
+              </a:ext>
+            </a:extLst>
+          </p:cNvPr>
+          <p:cNvSpPr>
+            <a:spLocks noGrp="1" noRot="1" noChangeAspect="1" noMove="1" noResize="1" noEditPoints="1" noAdjustHandles="1" noChangeArrowheads="1" noChangeShapeType="1" noTextEdit="1"/>
+          </p:cNvSpPr>
+          <p:nvPr>
+            <p:extLst>
+              <p:ext uri="{386F3935-93C4-4BCD-93E2-E3B085C9AB24}">
+                <p16:designElem xmlns:p16="http://schemas.microsoft.com/office/powerpoint/2015/main" val="1"/>
+              </p:ext>
+            </p:extLst>
+          </p:nvPr>
+        </p:nvSpPr>
+        <p:spPr>
+          <a:xfrm rot="10800000" flipH="1">
+            <a:off x="0" y="4800599"/>
+            <a:ext cx="9144000" cy="342580"/>
+          </a:xfrm>
+          <a:prstGeom prst="rect">
+            <a:avLst/>
+          </a:prstGeom>
+          <a:gradFill>
+            <a:gsLst>
+              <a:gs pos="0">
+                <a:schemeClr val="accent1"/>
+              </a:gs>
+              <a:gs pos="100000">
+                <a:schemeClr val="accent1">
+                  <a:lumMod val="50000"/>
+                </a:schemeClr>
+              </a:gs>
+            </a:gsLst>
+            <a:lin ang="6600000" scaled="0"/>
+          </a:gradFill>
+          <a:ln>
+            <a:noFill/>
+          </a:ln>
+        </p:spPr>
+        <p:style>
+          <a:lnRef idx="2">
+            <a:schemeClr val="accent1">
+              <a:shade val="50000"/>
+            </a:schemeClr>
+          </a:lnRef>
+          <a:fillRef idx="1">
+            <a:schemeClr val="accent1"/>
+          </a:fillRef>
+          <a:effectRef idx="0">
+            <a:schemeClr val="accent1"/>
+          </a:effectRef>
+          <a:fontRef idx="minor">
+            <a:schemeClr val="lt1"/>
+          </a:fontRef>
+        </p:style>
+        <p:txBody>
+          <a:bodyPr rtlCol="0" anchor="ctr"/>
+          <a:lstStyle/>
+          <a:p>
+            <a:pPr algn="ctr"/>
+            <a:endParaRPr lang="en-US"/>
+          </a:p>
+        </p:txBody>
+      </p:sp>
+      <p:sp>
+        <p:nvSpPr>
+          <p:cNvPr id="12" name="Rectangle 11">
+            <a:extLst>
+              <a:ext uri="{FF2B5EF4-FFF2-40B4-BE49-F238E27FC236}">
+                <a16:creationId xmlns:a16="http://schemas.microsoft.com/office/drawing/2014/main" id="{AC8F6C8C-AB5A-4548-942D-E3FD40ACBC49}"/>
+              </a:ext>
+              <a:ext uri="{C183D7F6-B498-43B3-948B-1728B52AA6E4}">
+                <adec:decorative xmlns:adec="http://schemas.microsoft.com/office/drawing/2017/decorative" val="1"/>
+              </a:ext>
+            </a:extLst>
+          </p:cNvPr>
+          <p:cNvSpPr>
+            <a:spLocks noGrp="1" noRot="1" noChangeAspect="1" noMove="1" noResize="1" noEditPoints="1" noAdjustHandles="1" noChangeArrowheads="1" noChangeShapeType="1" noTextEdit="1"/>
+          </p:cNvSpPr>
+          <p:nvPr>
+            <p:extLst>
+              <p:ext uri="{386F3935-93C4-4BCD-93E2-E3B085C9AB24}">
+                <p16:designElem xmlns:p16="http://schemas.microsoft.com/office/powerpoint/2015/main" val="1"/>
+              </p:ext>
+            </p:extLst>
+          </p:nvPr>
+        </p:nvSpPr>
+        <p:spPr>
+          <a:xfrm flipH="1">
+            <a:off x="3028950" y="4800599"/>
+            <a:ext cx="6115048" cy="342579"/>
+          </a:xfrm>
+          <a:prstGeom prst="rect">
+            <a:avLst/>
+          </a:prstGeom>
+          <a:gradFill>
+            <a:gsLst>
+              <a:gs pos="0">
+                <a:srgbClr val="000000">
+                  <a:alpha val="76000"/>
+                </a:srgbClr>
+              </a:gs>
+              <a:gs pos="100000">
+                <a:schemeClr val="accent1"/>
+              </a:gs>
+            </a:gsLst>
+            <a:lin ang="17400000" scaled="0"/>
+          </a:gradFill>
+          <a:ln>
+            <a:noFill/>
+          </a:ln>
+        </p:spPr>
+        <p:style>
+          <a:lnRef idx="2">
+            <a:schemeClr val="accent1">
+              <a:shade val="50000"/>
+            </a:schemeClr>
+          </a:lnRef>
+          <a:fillRef idx="1">
+            <a:schemeClr val="accent1"/>
+          </a:fillRef>
+          <a:effectRef idx="0">
+            <a:schemeClr val="accent1"/>
+          </a:effectRef>
+          <a:fontRef idx="minor">
+            <a:schemeClr val="lt1"/>
+          </a:fontRef>
+        </p:style>
+        <p:txBody>
+          <a:bodyPr rtlCol="0" anchor="ctr"/>
+          <a:lstStyle/>
+          <a:p>
+            <a:pPr algn="ctr"/>
+            <a:endParaRPr lang="en-US"/>
+          </a:p>
+        </p:txBody>
+      </p:sp>
+    </p:spTree>
+    <p:extLst>
+      <p:ext uri="{BB962C8B-B14F-4D97-AF65-F5344CB8AC3E}">
+        <p14:creationId xmlns:p14="http://schemas.microsoft.com/office/powerpoint/2010/main" val="1844899600"/>
+      </p:ext>
+    </p:extLst>
+  </p:cSld>
+  <p:clrMapOvr>
+    <a:masterClrMapping/>
+  </p:clrMapOvr>
+</p:sld>
+</file>
+
+<file path=ppt/slides/slide4.xml><?xml version="1.0" encoding="utf-8"?>
+<p:sld xmlns:a="http://schemas.openxmlformats.org/drawingml/2006/main" xmlns:r="http://schemas.openxmlformats.org/officeDocument/2006/relationships" xmlns:p="http://schemas.openxmlformats.org/presentationml/2006/main">
+  <p:cSld>
+    <p:bg>
+      <p:bgPr>
+        <a:solidFill>
+          <a:schemeClr val="bg1"/>
+        </a:solidFill>
+        <a:effectLst/>
+      </p:bgPr>
+    </p:bg>
+    <p:spTree>
+      <p:nvGrpSpPr>
+        <p:cNvPr id="1" name=""/>
+        <p:cNvGrpSpPr/>
+        <p:nvPr/>
+      </p:nvGrpSpPr>
+      <p:grpSpPr>
+        <a:xfrm>
+          <a:off x="0" y="0"/>
+          <a:ext cx="0" cy="0"/>
+          <a:chOff x="0" y="0"/>
+          <a:chExt cx="0" cy="0"/>
+        </a:xfrm>
+      </p:grpSpPr>
+      <p:sp>
+        <p:nvSpPr>
+          <p:cNvPr id="1031" name="Down Arrow 7">
+            <a:extLst>
+              <a:ext uri="{FF2B5EF4-FFF2-40B4-BE49-F238E27FC236}">
+                <a16:creationId xmlns:a16="http://schemas.microsoft.com/office/drawing/2014/main" id="{D4771268-CB57-404A-9271-370EB28F6090}"/>
+              </a:ext>
+              <a:ext uri="{C183D7F6-B498-43B3-948B-1728B52AA6E4}">
+                <adec:decorative xmlns:adec="http://schemas.microsoft.com/office/drawing/2017/decorative" val="1"/>
+              </a:ext>
+            </a:extLst>
+          </p:cNvPr>
+          <p:cNvSpPr>
+            <a:spLocks noGrp="1" noRot="1" noChangeAspect="1" noMove="1" noResize="1" noEditPoints="1" noAdjustHandles="1" noChangeArrowheads="1" noChangeShapeType="1" noTextEdit="1"/>
+          </p:cNvSpPr>
+          <p:nvPr>
+            <p:extLst>
+              <p:ext uri="{386F3935-93C4-4BCD-93E2-E3B085C9AB24}">
+                <p16:designElem xmlns:p16="http://schemas.microsoft.com/office/powerpoint/2015/main" val="1"/>
+              </p:ext>
+            </p:extLst>
+          </p:nvPr>
+        </p:nvSpPr>
+        <p:spPr>
+          <a:xfrm rot="16200000">
+            <a:off x="600075" y="1118507"/>
+            <a:ext cx="2500312" cy="2624327"/>
+          </a:xfrm>
+          <a:prstGeom prst="downArrow">
+            <a:avLst>
+              <a:gd name="adj1" fmla="val 100000"/>
+              <a:gd name="adj2" fmla="val 15788"/>
+            </a:avLst>
+          </a:prstGeom>
+          <a:solidFill>
+            <a:srgbClr val="404040"/>
+          </a:solidFill>
+          <a:ln w="53975">
+            <a:noFill/>
+          </a:ln>
+        </p:spPr>
+        <p:style>
+          <a:lnRef idx="2">
+            <a:schemeClr val="accent1">
+              <a:shade val="50000"/>
+            </a:schemeClr>
+          </a:lnRef>
+          <a:fillRef idx="1">
+            <a:schemeClr val="accent1"/>
+          </a:fillRef>
+          <a:effectRef idx="0">
+            <a:schemeClr val="accent1"/>
+          </a:effectRef>
+          <a:fontRef idx="minor">
+            <a:schemeClr val="lt1"/>
+          </a:fontRef>
+        </p:style>
+        <p:txBody>
+          <a:bodyPr rtlCol="0" anchor="ctr"/>
+          <a:lstStyle/>
+          <a:p>
+            <a:pPr algn="ctr"/>
+            <a:endParaRPr lang="en-US"/>
+          </a:p>
+        </p:txBody>
+      </p:sp>
+      <p:sp>
+        <p:nvSpPr>
+          <p:cNvPr id="2" name="Title 1">
+            <a:extLst>
+              <a:ext uri="{FF2B5EF4-FFF2-40B4-BE49-F238E27FC236}">
+                <a16:creationId xmlns:a16="http://schemas.microsoft.com/office/drawing/2014/main" id="{15689D78-533B-A51B-632C-B0CDB176C3A9}"/>
+              </a:ext>
+            </a:extLst>
+          </p:cNvPr>
+          <p:cNvSpPr>
+            <a:spLocks noGrp="1"/>
+          </p:cNvSpPr>
+          <p:nvPr>
+            <p:ph type="title"/>
+          </p:nvPr>
+        </p:nvSpPr>
+        <p:spPr>
+          <a:xfrm>
+            <a:off x="771525" y="1475449"/>
+            <a:ext cx="1971675" cy="1910443"/>
+          </a:xfrm>
+          <a:noFill/>
+        </p:spPr>
+        <p:txBody>
+          <a:bodyPr vert="horz" lIns="91440" tIns="45720" rIns="91440" bIns="45720" rtlCol="0" anchor="ctr">
+            <a:normAutofit/>
+          </a:bodyPr>
+          <a:lstStyle/>
+          <a:p>
+            <a:pPr algn="ctr" defTabSz="914400"/>
+            <a:r>
+              <a:rPr lang="en-US" sz="2700" kern="1200">
+                <a:solidFill>
+                  <a:srgbClr val="FFFFFF"/>
+                </a:solidFill>
+                <a:latin typeface="+mj-lt"/>
+                <a:ea typeface="+mj-ea"/>
+                <a:cs typeface="+mj-cs"/>
+              </a:rPr>
+              <a:t>Amazon GuardDuty Security Account</a:t>
+            </a:r>
+          </a:p>
+        </p:txBody>
+      </p:sp>
+      <p:pic>
+        <p:nvPicPr>
+          <p:cNvPr id="1026" name="Picture 2" descr="Amazon GuardDuty | AWS Architecture Blog">
+            <a:extLst>
+              <a:ext uri="{FF2B5EF4-FFF2-40B4-BE49-F238E27FC236}">
+                <a16:creationId xmlns:a16="http://schemas.microsoft.com/office/drawing/2014/main" id="{CC5108B1-1BF3-1DF1-4B40-6816952007F4}"/>
+              </a:ext>
+            </a:extLst>
+          </p:cNvPr>
+          <p:cNvPicPr>
+            <a:picLocks noChangeAspect="1" noChangeArrowheads="1"/>
+          </p:cNvPicPr>
+          <p:nvPr/>
+        </p:nvPicPr>
+        <p:blipFill>
+          <a:blip r:embed="rId2">
+            <a:extLst>
+              <a:ext uri="{28A0092B-C50C-407E-A947-70E740481C1C}">
+                <a14:useLocalDpi xmlns:a14="http://schemas.microsoft.com/office/drawing/2010/main" val="0"/>
+              </a:ext>
+            </a:extLst>
+          </a:blip>
+          <a:stretch>
+            <a:fillRect/>
+          </a:stretch>
+        </p:blipFill>
+        <p:spPr bwMode="auto">
+          <a:xfrm>
+            <a:off x="3582987" y="682875"/>
+            <a:ext cx="5085525" cy="3776001"/>
+          </a:xfrm>
+          <a:prstGeom prst="rect">
+            <a:avLst/>
+          </a:prstGeom>
+          <a:noFill/>
+          <a:extLst>
+            <a:ext uri="{909E8E84-426E-40DD-AFC4-6F175D3DCCD1}">
+              <a14:hiddenFill xmlns:a14="http://schemas.microsoft.com/office/drawing/2010/main">
+                <a:solidFill>
+                  <a:srgbClr val="FFFFFF"/>
+                </a:solidFill>
+              </a14:hiddenFill>
+            </a:ext>
+          </a:extLst>
+        </p:spPr>
+      </p:pic>
+    </p:spTree>
+    <p:extLst>
+      <p:ext uri="{BB962C8B-B14F-4D97-AF65-F5344CB8AC3E}">
+        <p14:creationId xmlns:p14="http://schemas.microsoft.com/office/powerpoint/2010/main" val="3895075227"/>
+      </p:ext>
+    </p:extLst>
+  </p:cSld>
+  <p:clrMapOvr>
+    <a:masterClrMapping/>
+  </p:clrMapOvr>
+</p:sld>
+</file>
+
+<file path=ppt/slides/slide5.xml><?xml version="1.0" encoding="utf-8"?>
 <p:sld xmlns:a="http://schemas.openxmlformats.org/drawingml/2006/main" xmlns:r="http://schemas.openxmlformats.org/officeDocument/2006/relationships" xmlns:p="http://schemas.openxmlformats.org/presentationml/2006/main">
   <p:cSld>
     <p:bg>
@@ -14055,7 +17655,7 @@
 </p:sld>
 </file>
 
-<file path=ppt/slides/slide3.xml><?xml version="1.0" encoding="utf-8"?>
+<file path=ppt/slides/slide6.xml><?xml version="1.0" encoding="utf-8"?>
 <p:sld xmlns:a="http://schemas.openxmlformats.org/drawingml/2006/main" xmlns:r="http://schemas.openxmlformats.org/officeDocument/2006/relationships" xmlns:p="http://schemas.openxmlformats.org/presentationml/2006/main">
   <p:cSld>
     <p:bg>
@@ -14562,7 +18162,7 @@
 </p:sld>
 </file>
 
-<file path=ppt/slides/slide4.xml><?xml version="1.0" encoding="utf-8"?>
+<file path=ppt/slides/slide7.xml><?xml version="1.0" encoding="utf-8"?>
 <p:sld xmlns:a="http://schemas.openxmlformats.org/drawingml/2006/main" xmlns:r="http://schemas.openxmlformats.org/officeDocument/2006/relationships" xmlns:p="http://schemas.openxmlformats.org/presentationml/2006/main">
   <p:cSld>
     <p:bg>
@@ -14953,7 +18553,7 @@
 </p:sld>
 </file>
 
-<file path=ppt/slides/slide5.xml><?xml version="1.0" encoding="utf-8"?>
+<file path=ppt/slides/slide8.xml><?xml version="1.0" encoding="utf-8"?>
 <p:sld xmlns:a="http://schemas.openxmlformats.org/drawingml/2006/main" xmlns:r="http://schemas.openxmlformats.org/officeDocument/2006/relationships" xmlns:p="http://schemas.openxmlformats.org/presentationml/2006/main">
   <p:cSld>
     <p:bg>
@@ -15671,7 +19271,7 @@
         </p:spPr>
         <p:txBody>
           <a:bodyPr vert="horz" lIns="91440" tIns="45720" rIns="91440" bIns="45720" rtlCol="0" anchor="ctr">
-            <a:normAutofit/>
+            <a:noAutofit/>
           </a:bodyPr>
           <a:lstStyle/>
           <a:p>
@@ -15682,13 +19282,13 @@
               <a:buNone/>
             </a:pPr>
             <a:r>
-              <a:rPr lang="en-US" sz="1500" b="0" i="0" dirty="0">
+              <a:rPr lang="en-US" sz="1200" b="0" i="0" dirty="0">
                 <a:effectLst/>
               </a:rPr>
               <a:t>The service categorizes its alerts into three severity levels: </a:t>
             </a:r>
             <a:r>
-              <a:rPr lang="en-US" sz="1500" b="0" i="0" dirty="0">
+              <a:rPr lang="en-US" sz="1200" b="0" i="0" dirty="0">
                 <a:effectLst/>
                 <a:highlight>
                   <a:srgbClr val="FFFF00"/>
@@ -15706,7 +19306,7 @@
               <a:buChar char="•"/>
             </a:pPr>
             <a:r>
-              <a:rPr lang="en-US" sz="1500" b="0" i="0" dirty="0">
+              <a:rPr lang="en-US" sz="1200" b="0" i="0" dirty="0">
                 <a:effectLst/>
               </a:rPr>
               <a:t>Low severity threats are typically threats that have been blocked without compromising resources. </a:t>
@@ -15721,7 +19321,7 @@
               <a:buChar char="•"/>
             </a:pPr>
             <a:r>
-              <a:rPr lang="en-US" sz="1500" b="0" i="0" dirty="0">
+              <a:rPr lang="en-US" sz="1200" b="0" i="0" dirty="0">
                 <a:effectLst/>
               </a:rPr>
               <a:t>Medium severity threats indicate suspicious activity. This can include a spike in traffic directed to bitcoin-related domains, which could be a sign of cryptocurrency mining. </a:t>
@@ -15736,11 +19336,164 @@
               <a:buChar char="•"/>
             </a:pPr>
             <a:r>
-              <a:rPr lang="en-US" sz="1500" b="0" i="0" dirty="0">
+              <a:rPr lang="en-US" sz="1200" b="0" i="0" dirty="0">
                 <a:effectLst/>
               </a:rPr>
               <a:t>High severity threats indicate a compromised resource and should be immediately remediated. </a:t>
             </a:r>
+          </a:p>
+          <a:p>
+            <a:pPr marL="285750" indent="-228600" defTabSz="914400">
+              <a:spcAft>
+                <a:spcPts val="600"/>
+              </a:spcAft>
+              <a:buFont typeface="Arial" panose="020B0604020202020204" pitchFamily="34" charset="0"/>
+              <a:buChar char="•"/>
+            </a:pPr>
+            <a:r>
+              <a:rPr lang="en-GB" sz="1200" dirty="0"/>
+              <a:t>Finding naming convention </a:t>
+            </a:r>
+            <a:r>
+              <a:rPr lang="en-GB" sz="1200" dirty="0" err="1"/>
+              <a:t>ThreatPurpose:ResourceTypeAffected</a:t>
+            </a:r>
+            <a:r>
+              <a:rPr lang="en-GB" sz="1200" dirty="0"/>
+              <a:t>/</a:t>
+            </a:r>
+            <a:r>
+              <a:rPr lang="en-GB" sz="1200" dirty="0" err="1"/>
+              <a:t>ThreatFamilyName.DetectionMechanism!Artifact</a:t>
+            </a:r>
+            <a:r>
+              <a:rPr lang="en-GB" sz="1200" dirty="0"/>
+              <a:t>  </a:t>
+            </a:r>
+          </a:p>
+          <a:p>
+            <a:pPr marL="742950" lvl="1" indent="-228600" defTabSz="914400">
+              <a:spcAft>
+                <a:spcPts val="600"/>
+              </a:spcAft>
+              <a:buFont typeface="Arial" panose="020B0604020202020204" pitchFamily="34" charset="0"/>
+              <a:buChar char="•"/>
+            </a:pPr>
+            <a:r>
+              <a:rPr lang="en-GB" sz="1000" dirty="0" err="1"/>
+              <a:t>ThreatPurpose</a:t>
+            </a:r>
+            <a:r>
+              <a:rPr lang="en-GB" sz="1000" dirty="0"/>
+              <a:t> – primary purpose of the threat (e.g., Backdoor, </a:t>
+            </a:r>
+            <a:r>
+              <a:rPr lang="en-GB" sz="1000" dirty="0" err="1"/>
+              <a:t>CryptoCurrency</a:t>
+            </a:r>
+            <a:r>
+              <a:rPr lang="en-GB" sz="1000" dirty="0"/>
+              <a:t>) </a:t>
+            </a:r>
+          </a:p>
+          <a:p>
+            <a:pPr marL="742950" lvl="1" indent="-228600" defTabSz="914400">
+              <a:spcAft>
+                <a:spcPts val="600"/>
+              </a:spcAft>
+              <a:buFont typeface="Arial" panose="020B0604020202020204" pitchFamily="34" charset="0"/>
+              <a:buChar char="•"/>
+            </a:pPr>
+            <a:r>
+              <a:rPr lang="en-GB" sz="1000" dirty="0" err="1"/>
+              <a:t>ResourceTypeAffected</a:t>
+            </a:r>
+            <a:r>
+              <a:rPr lang="en-GB" sz="1000" dirty="0"/>
+              <a:t> – which AWS resource is the target (e.g., EC2, S3)  </a:t>
+            </a:r>
+          </a:p>
+          <a:p>
+            <a:pPr marL="742950" lvl="1" indent="-228600" defTabSz="914400">
+              <a:spcAft>
+                <a:spcPts val="600"/>
+              </a:spcAft>
+              <a:buFont typeface="Arial" panose="020B0604020202020204" pitchFamily="34" charset="0"/>
+              <a:buChar char="•"/>
+            </a:pPr>
+            <a:r>
+              <a:rPr lang="en-GB" sz="1000" dirty="0" err="1"/>
+              <a:t>ThreatFamilyName</a:t>
+            </a:r>
+            <a:r>
+              <a:rPr lang="en-GB" sz="1000" dirty="0"/>
+              <a:t> – describes the potential malicious activity (e.g., </a:t>
+            </a:r>
+            <a:r>
+              <a:rPr lang="en-GB" sz="1000" dirty="0" err="1"/>
+              <a:t>NetworkPortUnusual</a:t>
+            </a:r>
+            <a:r>
+              <a:rPr lang="en-GB" sz="1000" dirty="0"/>
+              <a:t>) </a:t>
+            </a:r>
+          </a:p>
+          <a:p>
+            <a:pPr marL="742950" lvl="1" indent="-228600" defTabSz="914400">
+              <a:spcAft>
+                <a:spcPts val="600"/>
+              </a:spcAft>
+              <a:buFont typeface="Arial" panose="020B0604020202020204" pitchFamily="34" charset="0"/>
+              <a:buChar char="•"/>
+            </a:pPr>
+            <a:r>
+              <a:rPr lang="en-GB" sz="1000" dirty="0" err="1"/>
+              <a:t>DetectionMechanism</a:t>
+            </a:r>
+            <a:r>
+              <a:rPr lang="en-GB" sz="1000" dirty="0"/>
+              <a:t> – method </a:t>
+            </a:r>
+            <a:r>
+              <a:rPr lang="en-GB" sz="1000" dirty="0" err="1"/>
+              <a:t>GuardDuty</a:t>
+            </a:r>
+            <a:r>
+              <a:rPr lang="en-GB" sz="1000" dirty="0"/>
+              <a:t> detecting the finding (e.g., </a:t>
+            </a:r>
+            <a:r>
+              <a:rPr lang="en-GB" sz="1000" dirty="0" err="1"/>
+              <a:t>Tcp</a:t>
+            </a:r>
+            <a:r>
+              <a:rPr lang="en-GB" sz="1000" dirty="0"/>
+              <a:t>, </a:t>
+            </a:r>
+            <a:r>
+              <a:rPr lang="en-GB" sz="1000" dirty="0" err="1"/>
+              <a:t>Udp</a:t>
+            </a:r>
+            <a:r>
+              <a:rPr lang="en-GB" sz="1000" dirty="0"/>
+              <a:t>) </a:t>
+            </a:r>
+          </a:p>
+          <a:p>
+            <a:pPr marL="742950" lvl="1" indent="-228600" defTabSz="914400">
+              <a:spcAft>
+                <a:spcPts val="600"/>
+              </a:spcAft>
+              <a:buFont typeface="Arial" panose="020B0604020202020204" pitchFamily="34" charset="0"/>
+              <a:buChar char="•"/>
+            </a:pPr>
+            <a:r>
+              <a:rPr lang="en-GB" sz="1000" dirty="0"/>
+              <a:t>Artifact – describes a resource that is used in the malicious activity (e.g., DNS)</a:t>
+            </a:r>
+            <a:endParaRPr lang="en-US" sz="1000" b="0" i="0" dirty="0">
+              <a:effectLst/>
+            </a:endParaRPr>
           </a:p>
         </p:txBody>
       </p:sp>
@@ -15757,7 +19510,7 @@
 </p:sld>
 </file>
 
-<file path=ppt/slides/slide6.xml><?xml version="1.0" encoding="utf-8"?>
+<file path=ppt/slides/slide9.xml><?xml version="1.0" encoding="utf-8"?>
 <p:sld xmlns:a="http://schemas.openxmlformats.org/drawingml/2006/main" xmlns:r="http://schemas.openxmlformats.org/officeDocument/2006/relationships" xmlns:p="http://schemas.openxmlformats.org/presentationml/2006/main">
   <p:cSld>
     <p:bg>
@@ -15784,10 +19537,10 @@
       </p:grpSpPr>
       <p:sp useBgFill="1">
         <p:nvSpPr>
-          <p:cNvPr id="4110" name="Rectangle 4109">
+          <p:cNvPr id="13" name="Rectangle 12">
             <a:extLst>
               <a:ext uri="{FF2B5EF4-FFF2-40B4-BE49-F238E27FC236}">
-                <a16:creationId xmlns:a16="http://schemas.microsoft.com/office/drawing/2014/main" id="{A8384FB5-9ADC-4DDC-881B-597D56F5B15D}"/>
+                <a16:creationId xmlns:a16="http://schemas.microsoft.com/office/drawing/2014/main" id="{979E27D9-03C7-44E2-9FF8-15D0C8506AF7}"/>
               </a:ext>
               <a:ext uri="{C183D7F6-B498-43B3-948B-1728B52AA6E4}">
                 <adec:decorative xmlns:adec="http://schemas.microsoft.com/office/drawing/2017/decorative" val="1"/>
@@ -15860,10 +19613,154 @@
       </p:sp>
       <p:sp>
         <p:nvSpPr>
-          <p:cNvPr id="4112" name="Rectangle 4111">
+          <p:cNvPr id="2" name="Title 1">
             <a:extLst>
               <a:ext uri="{FF2B5EF4-FFF2-40B4-BE49-F238E27FC236}">
-                <a16:creationId xmlns:a16="http://schemas.microsoft.com/office/drawing/2014/main" id="{1199E1B1-A8C0-4FE8-A5A8-1CB41D69F857}"/>
+                <a16:creationId xmlns:a16="http://schemas.microsoft.com/office/drawing/2014/main" id="{B59B38CD-5B69-8036-0501-AC099E1A3318}"/>
+              </a:ext>
+            </a:extLst>
+          </p:cNvPr>
+          <p:cNvSpPr>
+            <a:spLocks noGrp="1"/>
+          </p:cNvSpPr>
+          <p:nvPr>
+            <p:ph type="title"/>
+          </p:nvPr>
+        </p:nvSpPr>
+        <p:spPr>
+          <a:xfrm>
+            <a:off x="492617" y="721624"/>
+            <a:ext cx="2327856" cy="3316407"/>
+          </a:xfrm>
+        </p:spPr>
+        <p:txBody>
+          <a:bodyPr anchor="t">
+            <a:normAutofit/>
+          </a:bodyPr>
+          <a:lstStyle/>
+          <a:p>
+            <a:pPr algn="r"/>
+            <a:r>
+              <a:rPr lang="en-CH" sz="3000"/>
+              <a:t>Amazon GuardDuty Finding Types</a:t>
+            </a:r>
+          </a:p>
+        </p:txBody>
+      </p:sp>
+      <p:sp>
+        <p:nvSpPr>
+          <p:cNvPr id="3" name="Content Placeholder 2">
+            <a:extLst>
+              <a:ext uri="{FF2B5EF4-FFF2-40B4-BE49-F238E27FC236}">
+                <a16:creationId xmlns:a16="http://schemas.microsoft.com/office/drawing/2014/main" id="{B5E0542B-7436-FE7B-36E1-8662097A5555}"/>
+              </a:ext>
+            </a:extLst>
+          </p:cNvPr>
+          <p:cNvSpPr>
+            <a:spLocks noGrp="1"/>
+          </p:cNvSpPr>
+          <p:nvPr>
+            <p:ph idx="1"/>
+          </p:nvPr>
+        </p:nvSpPr>
+        <p:spPr>
+          <a:xfrm>
+            <a:off x="3066696" y="721625"/>
+            <a:ext cx="5143585" cy="3557380"/>
+          </a:xfrm>
+        </p:spPr>
+        <p:txBody>
+          <a:bodyPr anchor="t">
+            <a:normAutofit/>
+          </a:bodyPr>
+          <a:lstStyle/>
+          <a:p>
+            <a:r>
+              <a:rPr lang="en-GB" sz="1200"/>
+              <a:t>EC2 Finding Types </a:t>
+            </a:r>
+          </a:p>
+          <a:p>
+            <a:pPr lvl="1"/>
+            <a:r>
+              <a:rPr lang="en-GB" sz="1200"/>
+              <a:t>UnauthorizedAccess:EC2/SSHBruteForce, CryptoCurrency:EC2/BitcoinTool.B!DNS</a:t>
+            </a:r>
+          </a:p>
+          <a:p>
+            <a:r>
+              <a:rPr lang="en-GB" sz="1200"/>
+              <a:t>IAM Finding Types • </a:t>
+            </a:r>
+          </a:p>
+          <a:p>
+            <a:pPr lvl="1"/>
+            <a:r>
+              <a:rPr lang="en-GB" sz="1200"/>
+              <a:t>Stealth:IAMUser/CloudTrailLoggingDisabled, Policy:IAMUser/RootCredentialUsage </a:t>
+            </a:r>
+          </a:p>
+          <a:p>
+            <a:r>
+              <a:rPr lang="en-GB" sz="1200"/>
+              <a:t>Kubernetes Audit Logs Finding Types 	</a:t>
+            </a:r>
+          </a:p>
+          <a:p>
+            <a:pPr lvl="1"/>
+            <a:r>
+              <a:rPr lang="en-GB" sz="1200"/>
+              <a:t>CredentialAccess:Kubernetes/MaliciousIPCaller </a:t>
+            </a:r>
+          </a:p>
+          <a:p>
+            <a:r>
+              <a:rPr lang="en-GB" sz="1200"/>
+              <a:t>Malware Protection Finding Types </a:t>
+            </a:r>
+          </a:p>
+          <a:p>
+            <a:pPr lvl="1"/>
+            <a:r>
+              <a:rPr lang="en-GB" sz="1200"/>
+              <a:t>Execution:EC2/SuspiciousFile, Execution:ECS/SuspiciousFile </a:t>
+            </a:r>
+          </a:p>
+          <a:p>
+            <a:r>
+              <a:rPr lang="en-GB" sz="1200"/>
+              <a:t>RDS Protection Finding Types</a:t>
+            </a:r>
+          </a:p>
+          <a:p>
+            <a:pPr lvl="1"/>
+            <a:r>
+              <a:rPr lang="en-GB" sz="1200"/>
+              <a:t>CredentialAccess:RDS/AnomalousBehavior.SuccessfulLogin </a:t>
+            </a:r>
+          </a:p>
+          <a:p>
+            <a:r>
+              <a:rPr lang="en-GB" sz="1200"/>
+              <a:t>S3 Finding Types</a:t>
+            </a:r>
+          </a:p>
+          <a:p>
+            <a:pPr lvl="1"/>
+            <a:r>
+              <a:rPr lang="en-GB" sz="1200"/>
+              <a:t>Policy:S3/AccountBlockPublicAccessDisabled, PenTest:S3/KaliLinux</a:t>
+            </a:r>
+            <a:endParaRPr lang="en-CH" sz="1200"/>
+          </a:p>
+        </p:txBody>
+      </p:sp>
+      <p:sp>
+        <p:nvSpPr>
+          <p:cNvPr id="14" name="Rectangle 13">
+            <a:extLst>
+              <a:ext uri="{FF2B5EF4-FFF2-40B4-BE49-F238E27FC236}">
+                <a16:creationId xmlns:a16="http://schemas.microsoft.com/office/drawing/2014/main" id="{EEBF1590-3B36-48EE-A89D-3B6F3CB256AB}"/>
               </a:ext>
               <a:ext uri="{C183D7F6-B498-43B3-948B-1728B52AA6E4}">
                 <adec:decorative xmlns:adec="http://schemas.microsoft.com/office/drawing/2017/decorative" val="1"/>
@@ -15883,8 +19780,8 @@
         </p:nvSpPr>
         <p:spPr>
           <a:xfrm rot="10800000" flipH="1">
-            <a:off x="1" y="0"/>
-            <a:ext cx="9143999" cy="1181966"/>
+            <a:off x="0" y="4800599"/>
+            <a:ext cx="9144000" cy="342580"/>
           </a:xfrm>
           <a:prstGeom prst="rect">
             <a:avLst/>
@@ -15892,17 +19789,15 @@
           <a:gradFill>
             <a:gsLst>
               <a:gs pos="0">
-                <a:srgbClr val="000000">
-                  <a:alpha val="96000"/>
-                </a:srgbClr>
+                <a:schemeClr val="accent1"/>
               </a:gs>
               <a:gs pos="100000">
                 <a:schemeClr val="accent1">
-                  <a:lumMod val="75000"/>
+                  <a:lumMod val="50000"/>
                 </a:schemeClr>
               </a:gs>
             </a:gsLst>
-            <a:lin ang="6000000" scaled="0"/>
+            <a:lin ang="6600000" scaled="0"/>
           </a:gradFill>
           <a:ln>
             <a:noFill/>
@@ -15935,10 +19830,10 @@
       </p:sp>
       <p:sp>
         <p:nvSpPr>
-          <p:cNvPr id="4114" name="Rectangle 4113">
+          <p:cNvPr id="12" name="Rectangle 11">
             <a:extLst>
               <a:ext uri="{FF2B5EF4-FFF2-40B4-BE49-F238E27FC236}">
-                <a16:creationId xmlns:a16="http://schemas.microsoft.com/office/drawing/2014/main" id="{84A8DE83-DE75-4B41-9DB4-A7EC0B0DEC0B}"/>
+                <a16:creationId xmlns:a16="http://schemas.microsoft.com/office/drawing/2014/main" id="{AC8F6C8C-AB5A-4548-942D-E3FD40ACBC49}"/>
               </a:ext>
               <a:ext uri="{C183D7F6-B498-43B3-948B-1728B52AA6E4}">
                 <adec:decorative xmlns:adec="http://schemas.microsoft.com/office/drawing/2017/decorative" val="1"/>
@@ -15957,9 +19852,9 @@
           </p:nvPr>
         </p:nvSpPr>
         <p:spPr>
-          <a:xfrm>
-            <a:off x="0" y="0"/>
-            <a:ext cx="6096642" cy="1181595"/>
+          <a:xfrm flipH="1">
+            <a:off x="3028950" y="4800599"/>
+            <a:ext cx="6115048" cy="342579"/>
           </a:xfrm>
           <a:prstGeom prst="rect">
             <a:avLst/>
@@ -15967,19 +19862,15 @@
           <a:gradFill>
             <a:gsLst>
               <a:gs pos="0">
-                <a:schemeClr val="accent1">
-                  <a:alpha val="41000"/>
-                </a:schemeClr>
+                <a:srgbClr val="000000">
+                  <a:alpha val="76000"/>
+                </a:srgbClr>
               </a:gs>
-              <a:gs pos="74000">
-                <a:schemeClr val="accent1">
-                  <a:lumMod val="60000"/>
-                  <a:lumOff val="40000"/>
-                  <a:alpha val="0"/>
-                </a:schemeClr>
+              <a:gs pos="100000">
+                <a:schemeClr val="accent1"/>
               </a:gs>
             </a:gsLst>
-            <a:lin ang="8400000" scaled="0"/>
+            <a:lin ang="17400000" scaled="0"/>
           </a:gradFill>
           <a:ln>
             <a:noFill/>
@@ -16010,162 +19901,10 @@
           </a:p>
         </p:txBody>
       </p:sp>
-      <p:sp>
-        <p:nvSpPr>
-          <p:cNvPr id="4116" name="Rectangle 4115">
-            <a:extLst>
-              <a:ext uri="{FF2B5EF4-FFF2-40B4-BE49-F238E27FC236}">
-                <a16:creationId xmlns:a16="http://schemas.microsoft.com/office/drawing/2014/main" id="{A7009A0A-BEF5-4EAC-AF15-E4F9F002E239}"/>
-              </a:ext>
-              <a:ext uri="{C183D7F6-B498-43B3-948B-1728B52AA6E4}">
-                <adec:decorative xmlns:adec="http://schemas.microsoft.com/office/drawing/2017/decorative" val="1"/>
-              </a:ext>
-            </a:extLst>
-          </p:cNvPr>
-          <p:cNvSpPr>
-            <a:spLocks noGrp="1" noRot="1" noChangeAspect="1" noMove="1" noResize="1" noEditPoints="1" noAdjustHandles="1" noChangeArrowheads="1" noChangeShapeType="1" noTextEdit="1"/>
-          </p:cNvSpPr>
-          <p:nvPr>
-            <p:extLst>
-              <p:ext uri="{386F3935-93C4-4BCD-93E2-E3B085C9AB24}">
-                <p16:designElem xmlns:p16="http://schemas.microsoft.com/office/powerpoint/2015/main" val="1"/>
-              </p:ext>
-            </p:extLst>
-          </p:nvPr>
-        </p:nvSpPr>
-        <p:spPr>
-          <a:xfrm flipH="1">
-            <a:off x="-2" y="0"/>
-            <a:ext cx="9144001" cy="1180732"/>
-          </a:xfrm>
-          <a:prstGeom prst="rect">
-            <a:avLst/>
-          </a:prstGeom>
-          <a:gradFill>
-            <a:gsLst>
-              <a:gs pos="0">
-                <a:srgbClr val="000000">
-                  <a:alpha val="63000"/>
-                </a:srgbClr>
-              </a:gs>
-              <a:gs pos="78000">
-                <a:schemeClr val="accent1">
-                  <a:alpha val="15000"/>
-                </a:schemeClr>
-              </a:gs>
-            </a:gsLst>
-            <a:lin ang="15600000" scaled="0"/>
-          </a:gradFill>
-          <a:ln>
-            <a:noFill/>
-          </a:ln>
-        </p:spPr>
-        <p:style>
-          <a:lnRef idx="2">
-            <a:schemeClr val="accent1">
-              <a:shade val="50000"/>
-            </a:schemeClr>
-          </a:lnRef>
-          <a:fillRef idx="1">
-            <a:schemeClr val="accent1"/>
-          </a:fillRef>
-          <a:effectRef idx="0">
-            <a:schemeClr val="accent1"/>
-          </a:effectRef>
-          <a:fontRef idx="minor">
-            <a:schemeClr val="lt1"/>
-          </a:fontRef>
-        </p:style>
-        <p:txBody>
-          <a:bodyPr rtlCol="0" anchor="ctr"/>
-          <a:lstStyle/>
-          <a:p>
-            <a:pPr algn="ctr"/>
-            <a:endParaRPr lang="en-US"/>
-          </a:p>
-        </p:txBody>
-      </p:sp>
-      <p:sp>
-        <p:nvSpPr>
-          <p:cNvPr id="2" name="Title 1">
-            <a:extLst>
-              <a:ext uri="{FF2B5EF4-FFF2-40B4-BE49-F238E27FC236}">
-                <a16:creationId xmlns:a16="http://schemas.microsoft.com/office/drawing/2014/main" id="{F190D2E4-2C2C-7AC3-BC12-B3B210158D5F}"/>
-              </a:ext>
-            </a:extLst>
-          </p:cNvPr>
-          <p:cNvSpPr>
-            <a:spLocks noGrp="1"/>
-          </p:cNvSpPr>
-          <p:nvPr>
-            <p:ph type="title"/>
-          </p:nvPr>
-        </p:nvSpPr>
-        <p:spPr>
-          <a:xfrm>
-            <a:off x="524784" y="186028"/>
-            <a:ext cx="5297791" cy="869400"/>
-          </a:xfrm>
-        </p:spPr>
-        <p:txBody>
-          <a:bodyPr vert="horz" lIns="91440" tIns="45720" rIns="91440" bIns="45720" rtlCol="0" anchor="ctr">
-            <a:normAutofit/>
-          </a:bodyPr>
-          <a:lstStyle/>
-          <a:p>
-            <a:pPr defTabSz="914400">
-              <a:spcBef>
-                <a:spcPct val="0"/>
-              </a:spcBef>
-            </a:pPr>
-            <a:r>
-              <a:rPr lang="en-US" sz="3000" kern="1200">
-                <a:solidFill>
-                  <a:srgbClr val="FFFFFF"/>
-                </a:solidFill>
-                <a:latin typeface="+mj-lt"/>
-                <a:ea typeface="+mj-ea"/>
-                <a:cs typeface="+mj-cs"/>
-              </a:rPr>
-              <a:t>VW GuardDuty usecase</a:t>
-            </a:r>
-          </a:p>
-        </p:txBody>
-      </p:sp>
-      <p:pic>
-        <p:nvPicPr>
-          <p:cNvPr id="4" name="Picture 3">
-            <a:extLst>
-              <a:ext uri="{FF2B5EF4-FFF2-40B4-BE49-F238E27FC236}">
-                <a16:creationId xmlns:a16="http://schemas.microsoft.com/office/drawing/2014/main" id="{3308F1D4-E170-D10A-9E84-1C030071F458}"/>
-              </a:ext>
-            </a:extLst>
-          </p:cNvPr>
-          <p:cNvPicPr>
-            <a:picLocks noChangeAspect="1"/>
-          </p:cNvPicPr>
-          <p:nvPr/>
-        </p:nvPicPr>
-        <p:blipFill>
-          <a:blip r:embed="rId2"/>
-          <a:stretch>
-            <a:fillRect/>
-          </a:stretch>
-        </p:blipFill>
-        <p:spPr>
-          <a:xfrm>
-            <a:off x="1366431" y="1241456"/>
-            <a:ext cx="6411138" cy="3829798"/>
-          </a:xfrm>
-          <a:prstGeom prst="rect">
-            <a:avLst/>
-          </a:prstGeom>
-        </p:spPr>
-      </p:pic>
     </p:spTree>
     <p:extLst>
       <p:ext uri="{BB962C8B-B14F-4D97-AF65-F5344CB8AC3E}">
-        <p14:creationId xmlns:p14="http://schemas.microsoft.com/office/powerpoint/2010/main" val="937222685"/>
+        <p14:creationId xmlns:p14="http://schemas.microsoft.com/office/powerpoint/2010/main" val="3591747738"/>
       </p:ext>
     </p:extLst>
   </p:cSld>
